--- a/prednasky/PDO_202302_Typy.pptx
+++ b/prednasky/PDO_202302_Typy.pptx
@@ -25,18 +25,16 @@
     <p:sldId id="270" r:id="rId20"/>
     <p:sldId id="271" r:id="rId21"/>
     <p:sldId id="272" r:id="rId22"/>
-    <p:sldId id="273" r:id="rId23"/>
-    <p:sldId id="274" r:id="rId24"/>
   </p:sldIdLst>
   <p:sldSz cy="5143500" cx="9144000"/>
   <p:notesSz cx="6858000" cy="9144000"/>
   <p:embeddedFontLst>
     <p:embeddedFont>
       <p:font typeface="Roboto"/>
-      <p:regular r:id="rId25"/>
-      <p:bold r:id="rId26"/>
-      <p:italic r:id="rId27"/>
-      <p:boldItalic r:id="rId28"/>
+      <p:regular r:id="rId23"/>
+      <p:bold r:id="rId24"/>
+      <p:italic r:id="rId25"/>
+      <p:boldItalic r:id="rId26"/>
     </p:embeddedFont>
   </p:embeddedFontLst>
   <p:defaultTextStyle>
@@ -817,7 +815,7 @@
   <p:cSld>
     <p:spTree>
       <p:nvGrpSpPr>
-        <p:cNvPr id="108" name="Shape 108"/>
+        <p:cNvPr id="104" name="Shape 104"/>
         <p:cNvGrpSpPr/>
         <p:nvPr/>
       </p:nvGrpSpPr>
@@ -831,7 +829,7 @@
       </p:grpSpPr>
       <p:sp>
         <p:nvSpPr>
-          <p:cNvPr id="109" name="Google Shape;109;g1170c3295e4_0_35:notes"/>
+          <p:cNvPr id="105" name="Google Shape;105;g1170c3295e4_0_47:notes"/>
           <p:cNvSpPr/>
           <p:nvPr>
             <p:ph idx="2" type="sldImg"/>
@@ -866,7 +864,7 @@
       </p:sp>
       <p:sp>
         <p:nvSpPr>
-          <p:cNvPr id="110" name="Google Shape;110;g1170c3295e4_0_35:notes"/>
+          <p:cNvPr id="106" name="Google Shape;106;g1170c3295e4_0_47:notes"/>
           <p:cNvSpPr txBox="1"/>
           <p:nvPr>
             <p:ph idx="1" type="body"/>
@@ -916,7 +914,7 @@
   <p:cSld>
     <p:spTree>
       <p:nvGrpSpPr>
-        <p:cNvPr id="114" name="Shape 114"/>
+        <p:cNvPr id="110" name="Shape 110"/>
         <p:cNvGrpSpPr/>
         <p:nvPr/>
       </p:nvGrpSpPr>
@@ -930,7 +928,7 @@
       </p:grpSpPr>
       <p:sp>
         <p:nvSpPr>
-          <p:cNvPr id="115" name="Google Shape;115;g1170c3295e4_0_29:notes"/>
+          <p:cNvPr id="111" name="Google Shape;111;g1170c3295e4_0_55:notes"/>
           <p:cNvSpPr/>
           <p:nvPr>
             <p:ph idx="2" type="sldImg"/>
@@ -965,7 +963,7 @@
       </p:sp>
       <p:sp>
         <p:nvSpPr>
-          <p:cNvPr id="116" name="Google Shape;116;g1170c3295e4_0_29:notes"/>
+          <p:cNvPr id="112" name="Google Shape;112;g1170c3295e4_0_55:notes"/>
           <p:cNvSpPr txBox="1"/>
           <p:nvPr>
             <p:ph idx="1" type="body"/>
@@ -1015,7 +1013,7 @@
   <p:cSld>
     <p:spTree>
       <p:nvGrpSpPr>
-        <p:cNvPr id="120" name="Shape 120"/>
+        <p:cNvPr id="116" name="Shape 116"/>
         <p:cNvGrpSpPr/>
         <p:nvPr/>
       </p:nvGrpSpPr>
@@ -1029,7 +1027,7 @@
       </p:grpSpPr>
       <p:sp>
         <p:nvSpPr>
-          <p:cNvPr id="121" name="Google Shape;121;g1170c3295e4_0_47:notes"/>
+          <p:cNvPr id="117" name="Google Shape;117;g1170c3295e4_0_62:notes"/>
           <p:cNvSpPr/>
           <p:nvPr>
             <p:ph idx="2" type="sldImg"/>
@@ -1064,7 +1062,7 @@
       </p:sp>
       <p:sp>
         <p:nvSpPr>
-          <p:cNvPr id="122" name="Google Shape;122;g1170c3295e4_0_47:notes"/>
+          <p:cNvPr id="118" name="Google Shape;118;g1170c3295e4_0_62:notes"/>
           <p:cNvSpPr txBox="1"/>
           <p:nvPr>
             <p:ph idx="1" type="body"/>
@@ -1114,7 +1112,7 @@
   <p:cSld>
     <p:spTree>
       <p:nvGrpSpPr>
-        <p:cNvPr id="126" name="Shape 126"/>
+        <p:cNvPr id="122" name="Shape 122"/>
         <p:cNvGrpSpPr/>
         <p:nvPr/>
       </p:nvGrpSpPr>
@@ -1128,7 +1126,7 @@
       </p:grpSpPr>
       <p:sp>
         <p:nvSpPr>
-          <p:cNvPr id="127" name="Google Shape;127;g1170c3295e4_0_55:notes"/>
+          <p:cNvPr id="123" name="Google Shape;123;g1170c3295e4_0_69:notes"/>
           <p:cNvSpPr/>
           <p:nvPr>
             <p:ph idx="2" type="sldImg"/>
@@ -1163,7 +1161,7 @@
       </p:sp>
       <p:sp>
         <p:nvSpPr>
-          <p:cNvPr id="128" name="Google Shape;128;g1170c3295e4_0_55:notes"/>
+          <p:cNvPr id="124" name="Google Shape;124;g1170c3295e4_0_69:notes"/>
           <p:cNvSpPr txBox="1"/>
           <p:nvPr>
             <p:ph idx="1" type="body"/>
@@ -1213,7 +1211,7 @@
   <p:cSld>
     <p:spTree>
       <p:nvGrpSpPr>
-        <p:cNvPr id="132" name="Shape 132"/>
+        <p:cNvPr id="128" name="Shape 128"/>
         <p:cNvGrpSpPr/>
         <p:nvPr/>
       </p:nvGrpSpPr>
@@ -1227,7 +1225,7 @@
       </p:grpSpPr>
       <p:sp>
         <p:nvSpPr>
-          <p:cNvPr id="133" name="Google Shape;133;g1170c3295e4_0_62:notes"/>
+          <p:cNvPr id="129" name="Google Shape;129;g1170c3295e4_0_76:notes"/>
           <p:cNvSpPr/>
           <p:nvPr>
             <p:ph idx="2" type="sldImg"/>
@@ -1262,7 +1260,7 @@
       </p:sp>
       <p:sp>
         <p:nvSpPr>
-          <p:cNvPr id="134" name="Google Shape;134;g1170c3295e4_0_62:notes"/>
+          <p:cNvPr id="130" name="Google Shape;130;g1170c3295e4_0_76:notes"/>
           <p:cNvSpPr txBox="1"/>
           <p:nvPr>
             <p:ph idx="1" type="body"/>
@@ -1312,7 +1310,7 @@
   <p:cSld>
     <p:spTree>
       <p:nvGrpSpPr>
-        <p:cNvPr id="138" name="Shape 138"/>
+        <p:cNvPr id="134" name="Shape 134"/>
         <p:cNvGrpSpPr/>
         <p:nvPr/>
       </p:nvGrpSpPr>
@@ -1326,7 +1324,7 @@
       </p:grpSpPr>
       <p:sp>
         <p:nvSpPr>
-          <p:cNvPr id="139" name="Google Shape;139;g1170c3295e4_0_69:notes"/>
+          <p:cNvPr id="135" name="Google Shape;135;SLIDES_API1241631310_0:notes"/>
           <p:cNvSpPr/>
           <p:nvPr>
             <p:ph idx="2" type="sldImg"/>
@@ -1361,7 +1359,7 @@
       </p:sp>
       <p:sp>
         <p:nvSpPr>
-          <p:cNvPr id="140" name="Google Shape;140;g1170c3295e4_0_69:notes"/>
+          <p:cNvPr id="136" name="Google Shape;136;SLIDES_API1241631310_0:notes"/>
           <p:cNvSpPr txBox="1"/>
           <p:nvPr>
             <p:ph idx="1" type="body"/>
@@ -1392,7 +1390,15 @@
               <a:buNone/>
             </a:pPr>
             <a:r>
-              <a:t/>
+              <a:rPr lang="cs"/>
+              <a:t>📣 This is Slido interaction slide, please don't delete it.</a:t>
+            </a:r>
+            <a:br>
+              <a:rPr lang="cs"/>
+            </a:br>
+            <a:r>
+              <a:rPr lang="cs"/>
+              <a:t>✅ Click on 'Present with Slido' and the poll will launch automatically when you get to this slide.</a:t>
             </a:r>
             <a:endParaRPr/>
           </a:p>
@@ -1411,7 +1417,7 @@
   <p:cSld>
     <p:spTree>
       <p:nvGrpSpPr>
-        <p:cNvPr id="144" name="Shape 144"/>
+        <p:cNvPr id="142" name="Shape 142"/>
         <p:cNvGrpSpPr/>
         <p:nvPr/>
       </p:nvGrpSpPr>
@@ -1425,7 +1431,7 @@
       </p:grpSpPr>
       <p:sp>
         <p:nvSpPr>
-          <p:cNvPr id="145" name="Google Shape;145;g1170c3295e4_0_76:notes"/>
+          <p:cNvPr id="143" name="Google Shape;143;SLIDES_API363511769_0:notes"/>
           <p:cNvSpPr/>
           <p:nvPr>
             <p:ph idx="2" type="sldImg"/>
@@ -1460,7 +1466,7 @@
       </p:sp>
       <p:sp>
         <p:nvSpPr>
-          <p:cNvPr id="146" name="Google Shape;146;g1170c3295e4_0_76:notes"/>
+          <p:cNvPr id="144" name="Google Shape;144;SLIDES_API363511769_0:notes"/>
           <p:cNvSpPr txBox="1"/>
           <p:nvPr>
             <p:ph idx="1" type="body"/>
@@ -1491,7 +1497,15 @@
               <a:buNone/>
             </a:pPr>
             <a:r>
-              <a:t/>
+              <a:rPr lang="cs"/>
+              <a:t>📣 This is Slido interaction slide, please don't delete it.</a:t>
+            </a:r>
+            <a:br>
+              <a:rPr lang="cs"/>
+            </a:br>
+            <a:r>
+              <a:rPr lang="cs"/>
+              <a:t>✅ Click on 'Present with Slido' and the poll will launch automatically when you get to this slide.</a:t>
             </a:r>
             <a:endParaRPr/>
           </a:p>
@@ -1524,7 +1538,7 @@
       </p:grpSpPr>
       <p:sp>
         <p:nvSpPr>
-          <p:cNvPr id="151" name="Google Shape;151;SLIDES_API1241631310_0:notes"/>
+          <p:cNvPr id="151" name="Google Shape;151;SLIDES_API1702965898_0:notes"/>
           <p:cNvSpPr/>
           <p:nvPr>
             <p:ph idx="2" type="sldImg"/>
@@ -1559,7 +1573,7 @@
       </p:sp>
       <p:sp>
         <p:nvSpPr>
-          <p:cNvPr id="152" name="Google Shape;152;SLIDES_API1241631310_0:notes"/>
+          <p:cNvPr id="152" name="Google Shape;152;SLIDES_API1702965898_0:notes"/>
           <p:cNvSpPr txBox="1"/>
           <p:nvPr>
             <p:ph idx="1" type="body"/>
@@ -1612,12 +1626,12 @@
 </p:notes>
 </file>
 
-<file path=ppt/notesSlides/notesSlide18.xml><?xml version="1.0" encoding="utf-8"?>
+<file path=ppt/notesSlides/notesSlide2.xml><?xml version="1.0" encoding="utf-8"?>
 <p:notes xmlns:a="http://schemas.openxmlformats.org/drawingml/2006/main" xmlns:r="http://schemas.openxmlformats.org/officeDocument/2006/relationships" xmlns:mc="http://schemas.openxmlformats.org/markup-compatibility/2006" xmlns:mv="urn:schemas-microsoft-com:mac:vml" xmlns:p="http://schemas.openxmlformats.org/presentationml/2006/main" xmlns:c="http://schemas.openxmlformats.org/drawingml/2006/chart" xmlns:dgm="http://schemas.openxmlformats.org/drawingml/2006/diagram" xmlns:o="urn:schemas-microsoft-com:office:office" xmlns:v="urn:schemas-microsoft-com:vml" xmlns:pvml="urn:schemas-microsoft-com:office:powerpoint" xmlns:com="http://schemas.openxmlformats.org/drawingml/2006/compatibility" xmlns:p14="http://schemas.microsoft.com/office/powerpoint/2010/main" xmlns:p15="http://schemas.microsoft.com/office/powerpoint/2012/main" xmlns:ahyp="http://schemas.microsoft.com/office/drawing/2018/hyperlinkcolor" showMasterPhAnim="0" showMasterSp="0">
   <p:cSld>
     <p:spTree>
       <p:nvGrpSpPr>
-        <p:cNvPr id="158" name="Shape 158"/>
+        <p:cNvPr id="56" name="Shape 56"/>
         <p:cNvGrpSpPr/>
         <p:nvPr/>
       </p:nvGrpSpPr>
@@ -1631,7 +1645,7 @@
       </p:grpSpPr>
       <p:sp>
         <p:nvSpPr>
-          <p:cNvPr id="159" name="Google Shape;159;SLIDES_API363511769_0:notes"/>
+          <p:cNvPr id="57" name="Google Shape;57;g1170c3295e4_0_0:notes"/>
           <p:cNvSpPr/>
           <p:nvPr>
             <p:ph idx="2" type="sldImg"/>
@@ -1666,7 +1680,7 @@
       </p:sp>
       <p:sp>
         <p:nvSpPr>
-          <p:cNvPr id="160" name="Google Shape;160;SLIDES_API363511769_0:notes"/>
+          <p:cNvPr id="58" name="Google Shape;58;g1170c3295e4_0_0:notes"/>
           <p:cNvSpPr txBox="1"/>
           <p:nvPr>
             <p:ph idx="1" type="body"/>
@@ -1697,15 +1711,7 @@
               <a:buNone/>
             </a:pPr>
             <a:r>
-              <a:rPr lang="cs"/>
-              <a:t>📣 This is Slido interaction slide, please don't delete it.</a:t>
-            </a:r>
-            <a:br>
-              <a:rPr lang="cs"/>
-            </a:br>
-            <a:r>
-              <a:rPr lang="cs"/>
-              <a:t>✅ Click on 'Present with Slido' and the poll will launch automatically when you get to this slide.</a:t>
+              <a:t/>
             </a:r>
             <a:endParaRPr/>
           </a:p>
@@ -1719,12 +1725,12 @@
 </p:notes>
 </file>
 
-<file path=ppt/notesSlides/notesSlide19.xml><?xml version="1.0" encoding="utf-8"?>
+<file path=ppt/notesSlides/notesSlide3.xml><?xml version="1.0" encoding="utf-8"?>
 <p:notes xmlns:a="http://schemas.openxmlformats.org/drawingml/2006/main" xmlns:r="http://schemas.openxmlformats.org/officeDocument/2006/relationships" xmlns:mc="http://schemas.openxmlformats.org/markup-compatibility/2006" xmlns:mv="urn:schemas-microsoft-com:mac:vml" xmlns:p="http://schemas.openxmlformats.org/presentationml/2006/main" xmlns:c="http://schemas.openxmlformats.org/drawingml/2006/chart" xmlns:dgm="http://schemas.openxmlformats.org/drawingml/2006/diagram" xmlns:o="urn:schemas-microsoft-com:office:office" xmlns:v="urn:schemas-microsoft-com:vml" xmlns:pvml="urn:schemas-microsoft-com:office:powerpoint" xmlns:com="http://schemas.openxmlformats.org/drawingml/2006/compatibility" xmlns:p14="http://schemas.microsoft.com/office/powerpoint/2010/main" xmlns:p15="http://schemas.microsoft.com/office/powerpoint/2012/main" xmlns:ahyp="http://schemas.microsoft.com/office/drawing/2018/hyperlinkcolor" showMasterPhAnim="0" showMasterSp="0">
   <p:cSld>
     <p:spTree>
       <p:nvGrpSpPr>
-        <p:cNvPr id="166" name="Shape 166"/>
+        <p:cNvPr id="62" name="Shape 62"/>
         <p:cNvGrpSpPr/>
         <p:nvPr/>
       </p:nvGrpSpPr>
@@ -1738,7 +1744,7 @@
       </p:grpSpPr>
       <p:sp>
         <p:nvSpPr>
-          <p:cNvPr id="167" name="Google Shape;167;SLIDES_API1702965898_0:notes"/>
+          <p:cNvPr id="63" name="Google Shape;63;g1170c3295e4_0_5:notes"/>
           <p:cNvSpPr/>
           <p:nvPr>
             <p:ph idx="2" type="sldImg"/>
@@ -1773,7 +1779,7 @@
       </p:sp>
       <p:sp>
         <p:nvSpPr>
-          <p:cNvPr id="168" name="Google Shape;168;SLIDES_API1702965898_0:notes"/>
+          <p:cNvPr id="64" name="Google Shape;64;g1170c3295e4_0_5:notes"/>
           <p:cNvSpPr txBox="1"/>
           <p:nvPr>
             <p:ph idx="1" type="body"/>
@@ -1804,15 +1810,7 @@
               <a:buNone/>
             </a:pPr>
             <a:r>
-              <a:rPr lang="cs"/>
-              <a:t>📣 This is Slido interaction slide, please don't delete it.</a:t>
-            </a:r>
-            <a:br>
-              <a:rPr lang="cs"/>
-            </a:br>
-            <a:r>
-              <a:rPr lang="cs"/>
-              <a:t>✅ Click on 'Present with Slido' and the poll will launch automatically when you get to this slide.</a:t>
+              <a:t/>
             </a:r>
             <a:endParaRPr/>
           </a:p>
@@ -1826,12 +1824,12 @@
 </p:notes>
 </file>
 
-<file path=ppt/notesSlides/notesSlide2.xml><?xml version="1.0" encoding="utf-8"?>
+<file path=ppt/notesSlides/notesSlide4.xml><?xml version="1.0" encoding="utf-8"?>
 <p:notes xmlns:a="http://schemas.openxmlformats.org/drawingml/2006/main" xmlns:r="http://schemas.openxmlformats.org/officeDocument/2006/relationships" xmlns:mc="http://schemas.openxmlformats.org/markup-compatibility/2006" xmlns:mv="urn:schemas-microsoft-com:mac:vml" xmlns:p="http://schemas.openxmlformats.org/presentationml/2006/main" xmlns:c="http://schemas.openxmlformats.org/drawingml/2006/chart" xmlns:dgm="http://schemas.openxmlformats.org/drawingml/2006/diagram" xmlns:o="urn:schemas-microsoft-com:office:office" xmlns:v="urn:schemas-microsoft-com:vml" xmlns:pvml="urn:schemas-microsoft-com:office:powerpoint" xmlns:com="http://schemas.openxmlformats.org/drawingml/2006/compatibility" xmlns:p14="http://schemas.microsoft.com/office/powerpoint/2010/main" xmlns:p15="http://schemas.microsoft.com/office/powerpoint/2012/main" xmlns:ahyp="http://schemas.microsoft.com/office/drawing/2018/hyperlinkcolor" showMasterPhAnim="0" showMasterSp="0">
   <p:cSld>
     <p:spTree>
       <p:nvGrpSpPr>
-        <p:cNvPr id="56" name="Shape 56"/>
+        <p:cNvPr id="68" name="Shape 68"/>
         <p:cNvGrpSpPr/>
         <p:nvPr/>
       </p:nvGrpSpPr>
@@ -1845,7 +1843,7 @@
       </p:grpSpPr>
       <p:sp>
         <p:nvSpPr>
-          <p:cNvPr id="57" name="Google Shape;57;SLIDES_API226331705_0:notes"/>
+          <p:cNvPr id="69" name="Google Shape;69;g1170c3295e4_0_40:notes"/>
           <p:cNvSpPr/>
           <p:nvPr>
             <p:ph idx="2" type="sldImg"/>
@@ -1880,7 +1878,7 @@
       </p:sp>
       <p:sp>
         <p:nvSpPr>
-          <p:cNvPr id="58" name="Google Shape;58;SLIDES_API226331705_0:notes"/>
+          <p:cNvPr id="70" name="Google Shape;70;g1170c3295e4_0_40:notes"/>
           <p:cNvSpPr txBox="1"/>
           <p:nvPr>
             <p:ph idx="1" type="body"/>
@@ -1911,15 +1909,7 @@
               <a:buNone/>
             </a:pPr>
             <a:r>
-              <a:rPr lang="cs"/>
-              <a:t>📣 This is Slido interaction slide, please don't delete it.</a:t>
-            </a:r>
-            <a:br>
-              <a:rPr lang="cs"/>
-            </a:br>
-            <a:r>
-              <a:rPr lang="cs"/>
-              <a:t>✅ Click on 'Present with Slido' and the poll will launch automatically when you get to this slide.</a:t>
+              <a:t/>
             </a:r>
             <a:endParaRPr/>
           </a:p>
@@ -1933,12 +1923,12 @@
 </p:notes>
 </file>
 
-<file path=ppt/notesSlides/notesSlide3.xml><?xml version="1.0" encoding="utf-8"?>
+<file path=ppt/notesSlides/notesSlide5.xml><?xml version="1.0" encoding="utf-8"?>
 <p:notes xmlns:a="http://schemas.openxmlformats.org/drawingml/2006/main" xmlns:r="http://schemas.openxmlformats.org/officeDocument/2006/relationships" xmlns:mc="http://schemas.openxmlformats.org/markup-compatibility/2006" xmlns:mv="urn:schemas-microsoft-com:mac:vml" xmlns:p="http://schemas.openxmlformats.org/presentationml/2006/main" xmlns:c="http://schemas.openxmlformats.org/drawingml/2006/chart" xmlns:dgm="http://schemas.openxmlformats.org/drawingml/2006/diagram" xmlns:o="urn:schemas-microsoft-com:office:office" xmlns:v="urn:schemas-microsoft-com:vml" xmlns:pvml="urn:schemas-microsoft-com:office:powerpoint" xmlns:com="http://schemas.openxmlformats.org/drawingml/2006/compatibility" xmlns:p14="http://schemas.microsoft.com/office/powerpoint/2010/main" xmlns:p15="http://schemas.microsoft.com/office/powerpoint/2012/main" xmlns:ahyp="http://schemas.microsoft.com/office/drawing/2018/hyperlinkcolor" showMasterPhAnim="0" showMasterSp="0">
   <p:cSld>
     <p:spTree>
       <p:nvGrpSpPr>
-        <p:cNvPr id="64" name="Shape 64"/>
+        <p:cNvPr id="74" name="Shape 74"/>
         <p:cNvGrpSpPr/>
         <p:nvPr/>
       </p:nvGrpSpPr>
@@ -1952,7 +1942,7 @@
       </p:grpSpPr>
       <p:sp>
         <p:nvSpPr>
-          <p:cNvPr id="65" name="Google Shape;65;SLIDES_API262531100_0:notes"/>
+          <p:cNvPr id="75" name="Google Shape;75;g1170c3295e4_0_15:notes"/>
           <p:cNvSpPr/>
           <p:nvPr>
             <p:ph idx="2" type="sldImg"/>
@@ -1987,7 +1977,7 @@
       </p:sp>
       <p:sp>
         <p:nvSpPr>
-          <p:cNvPr id="66" name="Google Shape;66;SLIDES_API262531100_0:notes"/>
+          <p:cNvPr id="76" name="Google Shape;76;g1170c3295e4_0_15:notes"/>
           <p:cNvSpPr txBox="1"/>
           <p:nvPr>
             <p:ph idx="1" type="body"/>
@@ -2018,15 +2008,7 @@
               <a:buNone/>
             </a:pPr>
             <a:r>
-              <a:rPr lang="cs"/>
-              <a:t>📣 This is Slido interaction slide, please don't delete it.</a:t>
-            </a:r>
-            <a:br>
-              <a:rPr lang="cs"/>
-            </a:br>
-            <a:r>
-              <a:rPr lang="cs"/>
-              <a:t>✅ Click on 'Present with Slido' and the poll will launch automatically when you get to this slide.</a:t>
+              <a:t/>
             </a:r>
             <a:endParaRPr/>
           </a:p>
@@ -2040,12 +2022,12 @@
 </p:notes>
 </file>
 
-<file path=ppt/notesSlides/notesSlide4.xml><?xml version="1.0" encoding="utf-8"?>
+<file path=ppt/notesSlides/notesSlide6.xml><?xml version="1.0" encoding="utf-8"?>
 <p:notes xmlns:a="http://schemas.openxmlformats.org/drawingml/2006/main" xmlns:r="http://schemas.openxmlformats.org/officeDocument/2006/relationships" xmlns:mc="http://schemas.openxmlformats.org/markup-compatibility/2006" xmlns:mv="urn:schemas-microsoft-com:mac:vml" xmlns:p="http://schemas.openxmlformats.org/presentationml/2006/main" xmlns:c="http://schemas.openxmlformats.org/drawingml/2006/chart" xmlns:dgm="http://schemas.openxmlformats.org/drawingml/2006/diagram" xmlns:o="urn:schemas-microsoft-com:office:office" xmlns:v="urn:schemas-microsoft-com:vml" xmlns:pvml="urn:schemas-microsoft-com:office:powerpoint" xmlns:com="http://schemas.openxmlformats.org/drawingml/2006/compatibility" xmlns:p14="http://schemas.microsoft.com/office/powerpoint/2010/main" xmlns:p15="http://schemas.microsoft.com/office/powerpoint/2012/main" xmlns:ahyp="http://schemas.microsoft.com/office/drawing/2018/hyperlinkcolor" showMasterPhAnim="0" showMasterSp="0">
   <p:cSld>
     <p:spTree>
       <p:nvGrpSpPr>
-        <p:cNvPr id="72" name="Shape 72"/>
+        <p:cNvPr id="80" name="Shape 80"/>
         <p:cNvGrpSpPr/>
         <p:nvPr/>
       </p:nvGrpSpPr>
@@ -2059,7 +2041,7 @@
       </p:grpSpPr>
       <p:sp>
         <p:nvSpPr>
-          <p:cNvPr id="73" name="Google Shape;73;g1170c3295e4_0_0:notes"/>
+          <p:cNvPr id="81" name="Google Shape;81;g1170c3295e4_0_21:notes"/>
           <p:cNvSpPr/>
           <p:nvPr>
             <p:ph idx="2" type="sldImg"/>
@@ -2094,7 +2076,7 @@
       </p:sp>
       <p:sp>
         <p:nvSpPr>
-          <p:cNvPr id="74" name="Google Shape;74;g1170c3295e4_0_0:notes"/>
+          <p:cNvPr id="82" name="Google Shape;82;g1170c3295e4_0_21:notes"/>
           <p:cNvSpPr txBox="1"/>
           <p:nvPr>
             <p:ph idx="1" type="body"/>
@@ -2139,12 +2121,12 @@
 </p:notes>
 </file>
 
-<file path=ppt/notesSlides/notesSlide5.xml><?xml version="1.0" encoding="utf-8"?>
+<file path=ppt/notesSlides/notesSlide7.xml><?xml version="1.0" encoding="utf-8"?>
 <p:notes xmlns:a="http://schemas.openxmlformats.org/drawingml/2006/main" xmlns:r="http://schemas.openxmlformats.org/officeDocument/2006/relationships" xmlns:mc="http://schemas.openxmlformats.org/markup-compatibility/2006" xmlns:mv="urn:schemas-microsoft-com:mac:vml" xmlns:p="http://schemas.openxmlformats.org/presentationml/2006/main" xmlns:c="http://schemas.openxmlformats.org/drawingml/2006/chart" xmlns:dgm="http://schemas.openxmlformats.org/drawingml/2006/diagram" xmlns:o="urn:schemas-microsoft-com:office:office" xmlns:v="urn:schemas-microsoft-com:vml" xmlns:pvml="urn:schemas-microsoft-com:office:powerpoint" xmlns:com="http://schemas.openxmlformats.org/drawingml/2006/compatibility" xmlns:p14="http://schemas.microsoft.com/office/powerpoint/2010/main" xmlns:p15="http://schemas.microsoft.com/office/powerpoint/2012/main" xmlns:ahyp="http://schemas.microsoft.com/office/drawing/2018/hyperlinkcolor" showMasterPhAnim="0" showMasterSp="0">
   <p:cSld>
     <p:spTree>
       <p:nvGrpSpPr>
-        <p:cNvPr id="78" name="Shape 78"/>
+        <p:cNvPr id="86" name="Shape 86"/>
         <p:cNvGrpSpPr/>
         <p:nvPr/>
       </p:nvGrpSpPr>
@@ -2158,7 +2140,7 @@
       </p:grpSpPr>
       <p:sp>
         <p:nvSpPr>
-          <p:cNvPr id="79" name="Google Shape;79;g1170c3295e4_0_5:notes"/>
+          <p:cNvPr id="87" name="Google Shape;87;g1170c3295e4_0_10:notes"/>
           <p:cNvSpPr/>
           <p:nvPr>
             <p:ph idx="2" type="sldImg"/>
@@ -2193,7 +2175,7 @@
       </p:sp>
       <p:sp>
         <p:nvSpPr>
-          <p:cNvPr id="80" name="Google Shape;80;g1170c3295e4_0_5:notes"/>
+          <p:cNvPr id="88" name="Google Shape;88;g1170c3295e4_0_10:notes"/>
           <p:cNvSpPr txBox="1"/>
           <p:nvPr>
             <p:ph idx="1" type="body"/>
@@ -2238,12 +2220,12 @@
 </p:notes>
 </file>
 
-<file path=ppt/notesSlides/notesSlide6.xml><?xml version="1.0" encoding="utf-8"?>
+<file path=ppt/notesSlides/notesSlide8.xml><?xml version="1.0" encoding="utf-8"?>
 <p:notes xmlns:a="http://schemas.openxmlformats.org/drawingml/2006/main" xmlns:r="http://schemas.openxmlformats.org/officeDocument/2006/relationships" xmlns:mc="http://schemas.openxmlformats.org/markup-compatibility/2006" xmlns:mv="urn:schemas-microsoft-com:mac:vml" xmlns:p="http://schemas.openxmlformats.org/presentationml/2006/main" xmlns:c="http://schemas.openxmlformats.org/drawingml/2006/chart" xmlns:dgm="http://schemas.openxmlformats.org/drawingml/2006/diagram" xmlns:o="urn:schemas-microsoft-com:office:office" xmlns:v="urn:schemas-microsoft-com:vml" xmlns:pvml="urn:schemas-microsoft-com:office:powerpoint" xmlns:com="http://schemas.openxmlformats.org/drawingml/2006/compatibility" xmlns:p14="http://schemas.microsoft.com/office/powerpoint/2010/main" xmlns:p15="http://schemas.microsoft.com/office/powerpoint/2012/main" xmlns:ahyp="http://schemas.microsoft.com/office/drawing/2018/hyperlinkcolor" showMasterPhAnim="0" showMasterSp="0">
   <p:cSld>
     <p:spTree>
       <p:nvGrpSpPr>
-        <p:cNvPr id="84" name="Shape 84"/>
+        <p:cNvPr id="92" name="Shape 92"/>
         <p:cNvGrpSpPr/>
         <p:nvPr/>
       </p:nvGrpSpPr>
@@ -2257,7 +2239,7 @@
       </p:grpSpPr>
       <p:sp>
         <p:nvSpPr>
-          <p:cNvPr id="85" name="Google Shape;85;g1170c3295e4_0_40:notes"/>
+          <p:cNvPr id="93" name="Google Shape;93;g1170c3295e4_0_35:notes"/>
           <p:cNvSpPr/>
           <p:nvPr>
             <p:ph idx="2" type="sldImg"/>
@@ -2292,7 +2274,7 @@
       </p:sp>
       <p:sp>
         <p:nvSpPr>
-          <p:cNvPr id="86" name="Google Shape;86;g1170c3295e4_0_40:notes"/>
+          <p:cNvPr id="94" name="Google Shape;94;g1170c3295e4_0_35:notes"/>
           <p:cNvSpPr txBox="1"/>
           <p:nvPr>
             <p:ph idx="1" type="body"/>
@@ -2337,12 +2319,12 @@
 </p:notes>
 </file>
 
-<file path=ppt/notesSlides/notesSlide7.xml><?xml version="1.0" encoding="utf-8"?>
+<file path=ppt/notesSlides/notesSlide9.xml><?xml version="1.0" encoding="utf-8"?>
 <p:notes xmlns:a="http://schemas.openxmlformats.org/drawingml/2006/main" xmlns:r="http://schemas.openxmlformats.org/officeDocument/2006/relationships" xmlns:mc="http://schemas.openxmlformats.org/markup-compatibility/2006" xmlns:mv="urn:schemas-microsoft-com:mac:vml" xmlns:p="http://schemas.openxmlformats.org/presentationml/2006/main" xmlns:c="http://schemas.openxmlformats.org/drawingml/2006/chart" xmlns:dgm="http://schemas.openxmlformats.org/drawingml/2006/diagram" xmlns:o="urn:schemas-microsoft-com:office:office" xmlns:v="urn:schemas-microsoft-com:vml" xmlns:pvml="urn:schemas-microsoft-com:office:powerpoint" xmlns:com="http://schemas.openxmlformats.org/drawingml/2006/compatibility" xmlns:p14="http://schemas.microsoft.com/office/powerpoint/2010/main" xmlns:p15="http://schemas.microsoft.com/office/powerpoint/2012/main" xmlns:ahyp="http://schemas.microsoft.com/office/drawing/2018/hyperlinkcolor" showMasterPhAnim="0" showMasterSp="0">
   <p:cSld>
     <p:spTree>
       <p:nvGrpSpPr>
-        <p:cNvPr id="90" name="Shape 90"/>
+        <p:cNvPr id="98" name="Shape 98"/>
         <p:cNvGrpSpPr/>
         <p:nvPr/>
       </p:nvGrpSpPr>
@@ -2356,7 +2338,7 @@
       </p:grpSpPr>
       <p:sp>
         <p:nvSpPr>
-          <p:cNvPr id="91" name="Google Shape;91;g1170c3295e4_0_15:notes"/>
+          <p:cNvPr id="99" name="Google Shape;99;g1170c3295e4_0_29:notes"/>
           <p:cNvSpPr/>
           <p:nvPr>
             <p:ph idx="2" type="sldImg"/>
@@ -2391,205 +2373,7 @@
       </p:sp>
       <p:sp>
         <p:nvSpPr>
-          <p:cNvPr id="92" name="Google Shape;92;g1170c3295e4_0_15:notes"/>
-          <p:cNvSpPr txBox="1"/>
-          <p:nvPr>
-            <p:ph idx="1" type="body"/>
-          </p:nvPr>
-        </p:nvSpPr>
-        <p:spPr>
-          <a:xfrm>
-            <a:off x="685800" y="4343400"/>
-            <a:ext cx="5486400" cy="4114800"/>
-          </a:xfrm>
-          <a:prstGeom prst="rect">
-            <a:avLst/>
-          </a:prstGeom>
-        </p:spPr>
-        <p:txBody>
-          <a:bodyPr anchorCtr="0" anchor="t" bIns="91425" lIns="91425" spcFirstLastPara="1" rIns="91425" wrap="square" tIns="91425">
-            <a:noAutofit/>
-          </a:bodyPr>
-          <a:lstStyle/>
-          <a:p>
-            <a:pPr indent="0" lvl="0" marL="0" rtl="0" algn="l">
-              <a:spcBef>
-                <a:spcPts val="0"/>
-              </a:spcBef>
-              <a:spcAft>
-                <a:spcPts val="0"/>
-              </a:spcAft>
-              <a:buNone/>
-            </a:pPr>
-            <a:r>
-              <a:t/>
-            </a:r>
-            <a:endParaRPr/>
-          </a:p>
-        </p:txBody>
-      </p:sp>
-    </p:spTree>
-  </p:cSld>
-  <p:clrMapOvr>
-    <a:masterClrMapping/>
-  </p:clrMapOvr>
-</p:notes>
-</file>
-
-<file path=ppt/notesSlides/notesSlide8.xml><?xml version="1.0" encoding="utf-8"?>
-<p:notes xmlns:a="http://schemas.openxmlformats.org/drawingml/2006/main" xmlns:r="http://schemas.openxmlformats.org/officeDocument/2006/relationships" xmlns:mc="http://schemas.openxmlformats.org/markup-compatibility/2006" xmlns:mv="urn:schemas-microsoft-com:mac:vml" xmlns:p="http://schemas.openxmlformats.org/presentationml/2006/main" xmlns:c="http://schemas.openxmlformats.org/drawingml/2006/chart" xmlns:dgm="http://schemas.openxmlformats.org/drawingml/2006/diagram" xmlns:o="urn:schemas-microsoft-com:office:office" xmlns:v="urn:schemas-microsoft-com:vml" xmlns:pvml="urn:schemas-microsoft-com:office:powerpoint" xmlns:com="http://schemas.openxmlformats.org/drawingml/2006/compatibility" xmlns:p14="http://schemas.microsoft.com/office/powerpoint/2010/main" xmlns:p15="http://schemas.microsoft.com/office/powerpoint/2012/main" xmlns:ahyp="http://schemas.microsoft.com/office/drawing/2018/hyperlinkcolor" showMasterPhAnim="0" showMasterSp="0">
-  <p:cSld>
-    <p:spTree>
-      <p:nvGrpSpPr>
-        <p:cNvPr id="96" name="Shape 96"/>
-        <p:cNvGrpSpPr/>
-        <p:nvPr/>
-      </p:nvGrpSpPr>
-      <p:grpSpPr>
-        <a:xfrm>
-          <a:off x="0" y="0"/>
-          <a:ext cx="0" cy="0"/>
-          <a:chOff x="0" y="0"/>
-          <a:chExt cx="0" cy="0"/>
-        </a:xfrm>
-      </p:grpSpPr>
-      <p:sp>
-        <p:nvSpPr>
-          <p:cNvPr id="97" name="Google Shape;97;g1170c3295e4_0_21:notes"/>
-          <p:cNvSpPr/>
-          <p:nvPr>
-            <p:ph idx="2" type="sldImg"/>
-          </p:nvPr>
-        </p:nvSpPr>
-        <p:spPr>
-          <a:xfrm>
-            <a:off x="381300" y="685800"/>
-            <a:ext cx="6096000" cy="3429000"/>
-          </a:xfrm>
-          <a:custGeom>
-            <a:rect b="b" l="l" r="r" t="t"/>
-            <a:pathLst>
-              <a:path extrusionOk="0" h="120000" w="120000">
-                <a:moveTo>
-                  <a:pt x="0" y="0"/>
-                </a:moveTo>
-                <a:lnTo>
-                  <a:pt x="120000" y="0"/>
-                </a:lnTo>
-                <a:lnTo>
-                  <a:pt x="120000" y="120000"/>
-                </a:lnTo>
-                <a:lnTo>
-                  <a:pt x="0" y="120000"/>
-                </a:lnTo>
-                <a:close/>
-              </a:path>
-            </a:pathLst>
-          </a:custGeom>
-        </p:spPr>
-      </p:sp>
-      <p:sp>
-        <p:nvSpPr>
-          <p:cNvPr id="98" name="Google Shape;98;g1170c3295e4_0_21:notes"/>
-          <p:cNvSpPr txBox="1"/>
-          <p:nvPr>
-            <p:ph idx="1" type="body"/>
-          </p:nvPr>
-        </p:nvSpPr>
-        <p:spPr>
-          <a:xfrm>
-            <a:off x="685800" y="4343400"/>
-            <a:ext cx="5486400" cy="4114800"/>
-          </a:xfrm>
-          <a:prstGeom prst="rect">
-            <a:avLst/>
-          </a:prstGeom>
-        </p:spPr>
-        <p:txBody>
-          <a:bodyPr anchorCtr="0" anchor="t" bIns="91425" lIns="91425" spcFirstLastPara="1" rIns="91425" wrap="square" tIns="91425">
-            <a:noAutofit/>
-          </a:bodyPr>
-          <a:lstStyle/>
-          <a:p>
-            <a:pPr indent="0" lvl="0" marL="0" rtl="0" algn="l">
-              <a:spcBef>
-                <a:spcPts val="0"/>
-              </a:spcBef>
-              <a:spcAft>
-                <a:spcPts val="0"/>
-              </a:spcAft>
-              <a:buNone/>
-            </a:pPr>
-            <a:r>
-              <a:t/>
-            </a:r>
-            <a:endParaRPr/>
-          </a:p>
-        </p:txBody>
-      </p:sp>
-    </p:spTree>
-  </p:cSld>
-  <p:clrMapOvr>
-    <a:masterClrMapping/>
-  </p:clrMapOvr>
-</p:notes>
-</file>
-
-<file path=ppt/notesSlides/notesSlide9.xml><?xml version="1.0" encoding="utf-8"?>
-<p:notes xmlns:a="http://schemas.openxmlformats.org/drawingml/2006/main" xmlns:r="http://schemas.openxmlformats.org/officeDocument/2006/relationships" xmlns:mc="http://schemas.openxmlformats.org/markup-compatibility/2006" xmlns:mv="urn:schemas-microsoft-com:mac:vml" xmlns:p="http://schemas.openxmlformats.org/presentationml/2006/main" xmlns:c="http://schemas.openxmlformats.org/drawingml/2006/chart" xmlns:dgm="http://schemas.openxmlformats.org/drawingml/2006/diagram" xmlns:o="urn:schemas-microsoft-com:office:office" xmlns:v="urn:schemas-microsoft-com:vml" xmlns:pvml="urn:schemas-microsoft-com:office:powerpoint" xmlns:com="http://schemas.openxmlformats.org/drawingml/2006/compatibility" xmlns:p14="http://schemas.microsoft.com/office/powerpoint/2010/main" xmlns:p15="http://schemas.microsoft.com/office/powerpoint/2012/main" xmlns:ahyp="http://schemas.microsoft.com/office/drawing/2018/hyperlinkcolor" showMasterPhAnim="0" showMasterSp="0">
-  <p:cSld>
-    <p:spTree>
-      <p:nvGrpSpPr>
-        <p:cNvPr id="102" name="Shape 102"/>
-        <p:cNvGrpSpPr/>
-        <p:nvPr/>
-      </p:nvGrpSpPr>
-      <p:grpSpPr>
-        <a:xfrm>
-          <a:off x="0" y="0"/>
-          <a:ext cx="0" cy="0"/>
-          <a:chOff x="0" y="0"/>
-          <a:chExt cx="0" cy="0"/>
-        </a:xfrm>
-      </p:grpSpPr>
-      <p:sp>
-        <p:nvSpPr>
-          <p:cNvPr id="103" name="Google Shape;103;g1170c3295e4_0_10:notes"/>
-          <p:cNvSpPr/>
-          <p:nvPr>
-            <p:ph idx="2" type="sldImg"/>
-          </p:nvPr>
-        </p:nvSpPr>
-        <p:spPr>
-          <a:xfrm>
-            <a:off x="381300" y="685800"/>
-            <a:ext cx="6096000" cy="3429000"/>
-          </a:xfrm>
-          <a:custGeom>
-            <a:rect b="b" l="l" r="r" t="t"/>
-            <a:pathLst>
-              <a:path extrusionOk="0" h="120000" w="120000">
-                <a:moveTo>
-                  <a:pt x="0" y="0"/>
-                </a:moveTo>
-                <a:lnTo>
-                  <a:pt x="120000" y="0"/>
-                </a:lnTo>
-                <a:lnTo>
-                  <a:pt x="120000" y="120000"/>
-                </a:lnTo>
-                <a:lnTo>
-                  <a:pt x="0" y="120000"/>
-                </a:lnTo>
-                <a:close/>
-              </a:path>
-            </a:pathLst>
-          </a:custGeom>
-        </p:spPr>
-      </p:sp>
-      <p:sp>
-        <p:nvSpPr>
-          <p:cNvPr id="104" name="Google Shape;104;g1170c3295e4_0_10:notes"/>
+          <p:cNvPr id="100" name="Google Shape;100;g1170c3295e4_0_29:notes"/>
           <p:cNvSpPr txBox="1"/>
           <p:nvPr>
             <p:ph idx="1" type="body"/>
@@ -7393,7 +7177,7 @@
   <p:cSld>
     <p:spTree>
       <p:nvGrpSpPr>
-        <p:cNvPr id="111" name="Shape 111"/>
+        <p:cNvPr id="107" name="Shape 107"/>
         <p:cNvGrpSpPr/>
         <p:nvPr/>
       </p:nvGrpSpPr>
@@ -7407,7 +7191,7 @@
       </p:grpSpPr>
       <p:sp>
         <p:nvSpPr>
-          <p:cNvPr id="112" name="Google Shape;112;p22"/>
+          <p:cNvPr id="108" name="Google Shape;108;p22"/>
           <p:cNvSpPr txBox="1"/>
           <p:nvPr>
             <p:ph type="title"/>
@@ -7439,7 +7223,7 @@
             </a:pPr>
             <a:r>
               <a:rPr lang="cs"/>
-              <a:t>Co lze míchat dohromady?</a:t>
+              <a:t>Další členění informací</a:t>
             </a:r>
             <a:endParaRPr/>
           </a:p>
@@ -7447,7 +7231,7 @@
       </p:sp>
       <p:sp>
         <p:nvSpPr>
-          <p:cNvPr id="113" name="Google Shape;113;p22"/>
+          <p:cNvPr id="109" name="Google Shape;109;p22"/>
           <p:cNvSpPr txBox="1"/>
           <p:nvPr>
             <p:ph idx="1" type="body"/>
@@ -7480,7 +7264,7 @@
             </a:pPr>
             <a:r>
               <a:rPr lang="cs"/>
-              <a:t>Koncept lze vložit na začátek postupu.</a:t>
+              <a:t>Tip = nevyžádané rady</a:t>
             </a:r>
             <a:endParaRPr/>
           </a:p>
@@ -7497,29 +7281,14 @@
             </a:pPr>
             <a:r>
               <a:rPr lang="cs"/>
-              <a:t>Postup lze doplnit referenční informací (např. o parametrech)</a:t>
-            </a:r>
-            <a:endParaRPr/>
-          </a:p>
-          <a:p>
-            <a:pPr indent="0" lvl="0" marL="0" rtl="0" algn="l">
-              <a:spcBef>
-                <a:spcPts val="1200"/>
-              </a:spcBef>
-              <a:spcAft>
-                <a:spcPts val="0"/>
-              </a:spcAft>
-              <a:buNone/>
-            </a:pPr>
-            <a:r>
-              <a:t/>
+              <a:t>Poznámka = komentář</a:t>
             </a:r>
             <a:endParaRPr/>
           </a:p>
           <a:p>
             <a:pPr indent="-342900" lvl="0" marL="457200" rtl="0" algn="l">
               <a:spcBef>
-                <a:spcPts val="1200"/>
+                <a:spcPts val="0"/>
               </a:spcBef>
               <a:spcAft>
                 <a:spcPts val="0"/>
@@ -7529,22 +7298,71 @@
             </a:pPr>
             <a:r>
               <a:rPr lang="cs"/>
-              <a:t>Tutoriál lze doplnit referencí.</a:t>
-            </a:r>
-            <a:endParaRPr/>
-          </a:p>
-          <a:p>
-            <a:pPr indent="0" lvl="0" marL="457200" rtl="0" algn="l">
+              <a:t>Varování = upozornění na rizika a nebezpečí</a:t>
+            </a:r>
+            <a:endParaRPr/>
+          </a:p>
+          <a:p>
+            <a:pPr indent="0" lvl="0" marL="0" rtl="0" algn="l">
               <a:spcBef>
                 <a:spcPts val="1200"/>
               </a:spcBef>
               <a:spcAft>
+                <a:spcPts val="0"/>
+              </a:spcAft>
+              <a:buNone/>
+            </a:pPr>
+            <a:r>
+              <a:rPr lang="cs"/>
+              <a:t>Tip a poznámka se do sebe volně přelévají.</a:t>
+            </a:r>
+            <a:endParaRPr/>
+          </a:p>
+          <a:p>
+            <a:pPr indent="0" lvl="0" marL="0" rtl="0" algn="l">
+              <a:spcBef>
                 <a:spcPts val="1200"/>
-              </a:spcAft>
-              <a:buNone/>
-            </a:pPr>
-            <a:r>
-              <a:t/>
+              </a:spcBef>
+              <a:spcAft>
+                <a:spcPts val="0"/>
+              </a:spcAft>
+              <a:buNone/>
+            </a:pPr>
+            <a:r>
+              <a:rPr lang="cs"/>
+              <a:t>Může být vloženo do všech typů dokumentů.</a:t>
+            </a:r>
+            <a:endParaRPr/>
+          </a:p>
+          <a:p>
+            <a:pPr indent="0" lvl="0" marL="0" rtl="0" algn="l">
+              <a:spcBef>
+                <a:spcPts val="1200"/>
+              </a:spcBef>
+              <a:spcAft>
+                <a:spcPts val="0"/>
+              </a:spcAft>
+              <a:buNone/>
+            </a:pPr>
+            <a:r>
+              <a:rPr lang="cs"/>
+              <a:t>Obsahuje související informaci.</a:t>
+            </a:r>
+            <a:endParaRPr/>
+          </a:p>
+          <a:p>
+            <a:pPr indent="0" lvl="0" marL="0" rtl="0" algn="l">
+              <a:spcBef>
+                <a:spcPts val="1200"/>
+              </a:spcBef>
+              <a:spcAft>
+                <a:spcPts val="1200"/>
+              </a:spcAft>
+              <a:buNone/>
+            </a:pPr>
+            <a:r>
+              <a:rPr lang="cs"/>
+              <a:t>Grafické odlišení od zbytku textu.</a:t>
             </a:r>
             <a:endParaRPr/>
           </a:p>
@@ -7563,7 +7381,7 @@
   <p:cSld>
     <p:spTree>
       <p:nvGrpSpPr>
-        <p:cNvPr id="117" name="Shape 117"/>
+        <p:cNvPr id="113" name="Shape 113"/>
         <p:cNvGrpSpPr/>
         <p:nvPr/>
       </p:nvGrpSpPr>
@@ -7577,7 +7395,7 @@
       </p:grpSpPr>
       <p:sp>
         <p:nvSpPr>
-          <p:cNvPr id="118" name="Google Shape;118;p23"/>
+          <p:cNvPr id="114" name="Google Shape;114;p23"/>
           <p:cNvSpPr txBox="1"/>
           <p:nvPr>
             <p:ph type="title"/>
@@ -7609,7 +7427,7 @@
             </a:pPr>
             <a:r>
               <a:rPr lang="cs"/>
-              <a:t>Realita ;)</a:t>
+              <a:t>Tip - ukázky</a:t>
             </a:r>
             <a:endParaRPr/>
           </a:p>
@@ -7617,7 +7435,192 @@
       </p:sp>
       <p:sp>
         <p:nvSpPr>
-          <p:cNvPr id="119" name="Google Shape;119;p23"/>
+          <p:cNvPr id="115" name="Google Shape;115;p23"/>
+          <p:cNvSpPr txBox="1"/>
+          <p:nvPr>
+            <p:ph idx="1" type="body"/>
+          </p:nvPr>
+        </p:nvSpPr>
+        <p:spPr>
+          <a:xfrm>
+            <a:off x="311700" y="1152475"/>
+            <a:ext cx="8520600" cy="3416400"/>
+          </a:xfrm>
+          <a:prstGeom prst="rect">
+            <a:avLst/>
+          </a:prstGeom>
+        </p:spPr>
+        <p:txBody>
+          <a:bodyPr anchorCtr="0" anchor="t" bIns="91425" lIns="91425" spcFirstLastPara="1" rIns="91425" wrap="square" tIns="91425">
+            <a:normAutofit lnSpcReduction="20000"/>
+          </a:bodyPr>
+          <a:lstStyle/>
+          <a:p>
+            <a:pPr indent="0" lvl="0" marL="0" rtl="0" algn="l">
+              <a:spcBef>
+                <a:spcPts val="0"/>
+              </a:spcBef>
+              <a:spcAft>
+                <a:spcPts val="0"/>
+              </a:spcAft>
+              <a:buNone/>
+            </a:pPr>
+            <a:r>
+              <a:rPr lang="cs"/>
+              <a:t>Hodinky Samsung:</a:t>
+            </a:r>
+            <a:endParaRPr/>
+          </a:p>
+          <a:p>
+            <a:pPr indent="0" lvl="0" marL="0" rtl="0" algn="l">
+              <a:spcBef>
+                <a:spcPts val="1200"/>
+              </a:spcBef>
+              <a:spcAft>
+                <a:spcPts val="0"/>
+              </a:spcAft>
+              <a:buNone/>
+            </a:pPr>
+            <a:r>
+              <a:rPr lang="cs"/>
+              <a:t>Pokud přístroj nepoužíváte, odpojte nabíječku, ušetříte tak energii. Nabíječka nemá vypínač, proto ji musíte odpojit od zásuvky, aby se přerušil přívod energie. Nabíječka by měla během nabíjení zůstat v blízkosti elektrické zásuvky a měla by být snadno dostupná.</a:t>
+            </a:r>
+            <a:endParaRPr/>
+          </a:p>
+          <a:p>
+            <a:pPr indent="0" lvl="0" marL="0" rtl="0" algn="l">
+              <a:spcBef>
+                <a:spcPts val="1200"/>
+              </a:spcBef>
+              <a:spcAft>
+                <a:spcPts val="0"/>
+              </a:spcAft>
+              <a:buNone/>
+            </a:pPr>
+            <a:r>
+              <a:rPr lang="cs"/>
+              <a:t>Sušička AEG:</a:t>
+            </a:r>
+            <a:endParaRPr/>
+          </a:p>
+          <a:p>
+            <a:pPr indent="0" lvl="0" marL="0" rtl="0" algn="l">
+              <a:spcBef>
+                <a:spcPts val="1200"/>
+              </a:spcBef>
+              <a:spcAft>
+                <a:spcPts val="0"/>
+              </a:spcAft>
+              <a:buNone/>
+            </a:pPr>
+            <a:r>
+              <a:rPr lang="cs"/>
+              <a:t>9.1 Ekologické rady </a:t>
+            </a:r>
+            <a:endParaRPr/>
+          </a:p>
+          <a:p>
+            <a:pPr indent="0" lvl="0" marL="0" rtl="0" algn="l">
+              <a:spcBef>
+                <a:spcPts val="1200"/>
+              </a:spcBef>
+              <a:spcAft>
+                <a:spcPts val="0"/>
+              </a:spcAft>
+              <a:buNone/>
+            </a:pPr>
+            <a:r>
+              <a:rPr lang="cs"/>
+              <a:t>• Před sušením prádlo dobře odstřeďte. </a:t>
+            </a:r>
+            <a:endParaRPr/>
+          </a:p>
+          <a:p>
+            <a:pPr indent="0" lvl="0" marL="0" rtl="0" algn="l">
+              <a:spcBef>
+                <a:spcPts val="1200"/>
+              </a:spcBef>
+              <a:spcAft>
+                <a:spcPts val="1200"/>
+              </a:spcAft>
+              <a:buNone/>
+            </a:pPr>
+            <a:r>
+              <a:rPr lang="cs"/>
+              <a:t>• Nepřekračujte množství prádla, která jsou uvedená v kapitole programů.</a:t>
+            </a:r>
+            <a:endParaRPr/>
+          </a:p>
+        </p:txBody>
+      </p:sp>
+    </p:spTree>
+  </p:cSld>
+  <p:clrMapOvr>
+    <a:masterClrMapping/>
+  </p:clrMapOvr>
+</p:sld>
+</file>
+
+<file path=ppt/slides/slide12.xml><?xml version="1.0" encoding="utf-8"?>
+<p:sld xmlns:a="http://schemas.openxmlformats.org/drawingml/2006/main" xmlns:r="http://schemas.openxmlformats.org/officeDocument/2006/relationships" xmlns:mc="http://schemas.openxmlformats.org/markup-compatibility/2006" xmlns:mv="urn:schemas-microsoft-com:mac:vml" xmlns:p="http://schemas.openxmlformats.org/presentationml/2006/main" xmlns:c="http://schemas.openxmlformats.org/drawingml/2006/chart" xmlns:dgm="http://schemas.openxmlformats.org/drawingml/2006/diagram" xmlns:o="urn:schemas-microsoft-com:office:office" xmlns:v="urn:schemas-microsoft-com:vml" xmlns:pvml="urn:schemas-microsoft-com:office:powerpoint" xmlns:com="http://schemas.openxmlformats.org/drawingml/2006/compatibility" xmlns:p14="http://schemas.microsoft.com/office/powerpoint/2010/main" xmlns:p15="http://schemas.microsoft.com/office/powerpoint/2012/main" xmlns:ahyp="http://schemas.microsoft.com/office/drawing/2018/hyperlinkcolor">
+  <p:cSld>
+    <p:spTree>
+      <p:nvGrpSpPr>
+        <p:cNvPr id="119" name="Shape 119"/>
+        <p:cNvGrpSpPr/>
+        <p:nvPr/>
+      </p:nvGrpSpPr>
+      <p:grpSpPr>
+        <a:xfrm>
+          <a:off x="0" y="0"/>
+          <a:ext cx="0" cy="0"/>
+          <a:chOff x="0" y="0"/>
+          <a:chExt cx="0" cy="0"/>
+        </a:xfrm>
+      </p:grpSpPr>
+      <p:sp>
+        <p:nvSpPr>
+          <p:cNvPr id="120" name="Google Shape;120;p24"/>
+          <p:cNvSpPr txBox="1"/>
+          <p:nvPr>
+            <p:ph type="title"/>
+          </p:nvPr>
+        </p:nvSpPr>
+        <p:spPr>
+          <a:xfrm>
+            <a:off x="311700" y="445025"/>
+            <a:ext cx="8520600" cy="572700"/>
+          </a:xfrm>
+          <a:prstGeom prst="rect">
+            <a:avLst/>
+          </a:prstGeom>
+        </p:spPr>
+        <p:txBody>
+          <a:bodyPr anchorCtr="0" anchor="t" bIns="91425" lIns="91425" spcFirstLastPara="1" rIns="91425" wrap="square" tIns="91425">
+            <a:normAutofit fontScale="90000"/>
+          </a:bodyPr>
+          <a:lstStyle/>
+          <a:p>
+            <a:pPr indent="0" lvl="0" marL="0" rtl="0" algn="l">
+              <a:spcBef>
+                <a:spcPts val="0"/>
+              </a:spcBef>
+              <a:spcAft>
+                <a:spcPts val="0"/>
+              </a:spcAft>
+              <a:buNone/>
+            </a:pPr>
+            <a:r>
+              <a:rPr lang="cs"/>
+              <a:t>Poznámka - ukázky</a:t>
+            </a:r>
+            <a:endParaRPr/>
+          </a:p>
+        </p:txBody>
+      </p:sp>
+      <p:sp>
+        <p:nvSpPr>
+          <p:cNvPr id="121" name="Google Shape;121;p24"/>
           <p:cNvSpPr txBox="1"/>
           <p:nvPr>
             <p:ph idx="1" type="body"/>
@@ -7649,7 +7652,7 @@
             </a:pPr>
             <a:r>
               <a:rPr lang="cs"/>
-              <a:t>Směs všeho možného například zde:</a:t>
+              <a:t>NXP - Release notes:</a:t>
             </a:r>
             <a:endParaRPr/>
           </a:p>
@@ -7659,18 +7662,45 @@
                 <a:spcPts val="1200"/>
               </a:spcBef>
               <a:spcAft>
+                <a:spcPts val="0"/>
+              </a:spcAft>
+              <a:buNone/>
+            </a:pPr>
+            <a:r>
+              <a:rPr lang="cs"/>
+              <a:t>This is the final release BSP support of the i.MX 6 SABRE-AI (auto) boards and final release of the i.MX 8DualX MEK board.</a:t>
+            </a:r>
+            <a:endParaRPr/>
+          </a:p>
+          <a:p>
+            <a:pPr indent="0" lvl="0" marL="0" rtl="0" algn="l">
+              <a:spcBef>
                 <a:spcPts val="1200"/>
-              </a:spcAft>
-              <a:buNone/>
-            </a:pPr>
-            <a:r>
-              <a:rPr lang="cs" u="sng">
-                <a:solidFill>
-                  <a:schemeClr val="hlink"/>
-                </a:solidFill>
-                <a:hlinkClick r:id="rId3"/>
-              </a:rPr>
-              <a:t>https://www.kernel.org/doc/html/latest/security/credentials.html</a:t>
+              </a:spcBef>
+              <a:spcAft>
+                <a:spcPts val="0"/>
+              </a:spcAft>
+              <a:buNone/>
+            </a:pPr>
+            <a:r>
+              <a:rPr lang="cs"/>
+              <a:t>NXP: Linux (poznámka k použití UUU - nahrávání SW na desky)</a:t>
+            </a:r>
+            <a:endParaRPr/>
+          </a:p>
+          <a:p>
+            <a:pPr indent="0" lvl="0" marL="0" rtl="0" algn="l">
+              <a:spcBef>
+                <a:spcPts val="1200"/>
+              </a:spcBef>
+              <a:spcAft>
+                <a:spcPts val="1200"/>
+              </a:spcAft>
+              <a:buNone/>
+            </a:pPr>
+            <a:r>
+              <a:rPr lang="cs"/>
+              <a:t>For i.MX 8QuadXPlus B0, UUU flashes the eMMC image to boot partition with 32 KB offset. It may not be compatible with all eMMC devices. It is recommended to enable eMMC fastboot mode and use the UUU kernel version script to flash the eMMC image to boot partition with 0 offset.</a:t>
             </a:r>
             <a:endParaRPr/>
           </a:p>
@@ -7684,12 +7714,12 @@
 </p:sld>
 </file>
 
-<file path=ppt/slides/slide12.xml><?xml version="1.0" encoding="utf-8"?>
+<file path=ppt/slides/slide13.xml><?xml version="1.0" encoding="utf-8"?>
 <p:sld xmlns:a="http://schemas.openxmlformats.org/drawingml/2006/main" xmlns:r="http://schemas.openxmlformats.org/officeDocument/2006/relationships" xmlns:mc="http://schemas.openxmlformats.org/markup-compatibility/2006" xmlns:mv="urn:schemas-microsoft-com:mac:vml" xmlns:p="http://schemas.openxmlformats.org/presentationml/2006/main" xmlns:c="http://schemas.openxmlformats.org/drawingml/2006/chart" xmlns:dgm="http://schemas.openxmlformats.org/drawingml/2006/diagram" xmlns:o="urn:schemas-microsoft-com:office:office" xmlns:v="urn:schemas-microsoft-com:vml" xmlns:pvml="urn:schemas-microsoft-com:office:powerpoint" xmlns:com="http://schemas.openxmlformats.org/drawingml/2006/compatibility" xmlns:p14="http://schemas.microsoft.com/office/powerpoint/2010/main" xmlns:p15="http://schemas.microsoft.com/office/powerpoint/2012/main" xmlns:ahyp="http://schemas.microsoft.com/office/drawing/2018/hyperlinkcolor">
   <p:cSld>
     <p:spTree>
       <p:nvGrpSpPr>
-        <p:cNvPr id="123" name="Shape 123"/>
+        <p:cNvPr id="125" name="Shape 125"/>
         <p:cNvGrpSpPr/>
         <p:nvPr/>
       </p:nvGrpSpPr>
@@ -7703,7 +7733,7 @@
       </p:grpSpPr>
       <p:sp>
         <p:nvSpPr>
-          <p:cNvPr id="124" name="Google Shape;124;p24"/>
+          <p:cNvPr id="126" name="Google Shape;126;p25"/>
           <p:cNvSpPr txBox="1"/>
           <p:nvPr>
             <p:ph type="title"/>
@@ -7735,7 +7765,7 @@
             </a:pPr>
             <a:r>
               <a:rPr lang="cs"/>
-              <a:t>Další členění informací</a:t>
+              <a:t>Varování	</a:t>
             </a:r>
             <a:endParaRPr/>
           </a:p>
@@ -7743,7 +7773,7 @@
       </p:sp>
       <p:sp>
         <p:nvSpPr>
-          <p:cNvPr id="125" name="Google Shape;125;p24"/>
+          <p:cNvPr id="127" name="Google Shape;127;p25"/>
           <p:cNvSpPr txBox="1"/>
           <p:nvPr>
             <p:ph idx="1" type="body"/>
@@ -7760,57 +7790,159 @@
         </p:spPr>
         <p:txBody>
           <a:bodyPr anchorCtr="0" anchor="t" bIns="91425" lIns="91425" spcFirstLastPara="1" rIns="91425" wrap="square" tIns="91425">
-            <a:normAutofit/>
+            <a:normAutofit fontScale="92500" lnSpcReduction="20000"/>
           </a:bodyPr>
           <a:lstStyle/>
           <a:p>
-            <a:pPr indent="-342900" lvl="0" marL="457200" rtl="0" algn="l">
-              <a:spcBef>
-                <a:spcPts val="0"/>
-              </a:spcBef>
-              <a:spcAft>
-                <a:spcPts val="0"/>
-              </a:spcAft>
-              <a:buSzPts val="1800"/>
+            <a:pPr indent="-334327" lvl="0" marL="457200" rtl="0" algn="l">
+              <a:spcBef>
+                <a:spcPts val="0"/>
+              </a:spcBef>
+              <a:spcAft>
+                <a:spcPts val="0"/>
+              </a:spcAft>
+              <a:buSzPct val="100000"/>
               <a:buChar char="●"/>
             </a:pPr>
             <a:r>
               <a:rPr lang="cs"/>
-              <a:t>Tip = nevyžádané rady</a:t>
-            </a:r>
-            <a:endParaRPr/>
-          </a:p>
-          <a:p>
-            <a:pPr indent="-342900" lvl="0" marL="457200" rtl="0" algn="l">
-              <a:spcBef>
-                <a:spcPts val="0"/>
-              </a:spcBef>
-              <a:spcAft>
-                <a:spcPts val="0"/>
-              </a:spcAft>
-              <a:buSzPts val="1800"/>
+              <a:t>Může být dále strukturováno dle míry nebezpečí</a:t>
+            </a:r>
+            <a:endParaRPr/>
+          </a:p>
+          <a:p>
+            <a:pPr indent="-334327" lvl="0" marL="457200" rtl="0" algn="l">
+              <a:spcBef>
+                <a:spcPts val="0"/>
+              </a:spcBef>
+              <a:spcAft>
+                <a:spcPts val="0"/>
+              </a:spcAft>
+              <a:buSzPct val="100000"/>
               <a:buChar char="●"/>
             </a:pPr>
             <a:r>
               <a:rPr lang="cs"/>
-              <a:t>Poznámka = komentář</a:t>
-            </a:r>
-            <a:endParaRPr/>
-          </a:p>
-          <a:p>
-            <a:pPr indent="-342900" lvl="0" marL="457200" rtl="0" algn="l">
-              <a:spcBef>
-                <a:spcPts val="0"/>
-              </a:spcBef>
-              <a:spcAft>
-                <a:spcPts val="0"/>
-              </a:spcAft>
-              <a:buSzPts val="1800"/>
+              <a:t>Standardy, které předepisují vzhled, strukturu, značky</a:t>
+            </a:r>
+            <a:endParaRPr/>
+          </a:p>
+          <a:p>
+            <a:pPr indent="-334327" lvl="0" marL="457200" rtl="0" algn="l">
+              <a:spcBef>
+                <a:spcPts val="0"/>
+              </a:spcBef>
+              <a:spcAft>
+                <a:spcPts val="0"/>
+              </a:spcAft>
+              <a:buSzPct val="100000"/>
               <a:buChar char="●"/>
             </a:pPr>
             <a:r>
               <a:rPr lang="cs"/>
-              <a:t>Varování = upozornění na rizika a nebezpečí</a:t>
+              <a:t>Varujeme před:</a:t>
+            </a:r>
+            <a:endParaRPr/>
+          </a:p>
+          <a:p>
+            <a:pPr indent="-310832" lvl="1" marL="914400" rtl="0" algn="l">
+              <a:spcBef>
+                <a:spcPts val="0"/>
+              </a:spcBef>
+              <a:spcAft>
+                <a:spcPts val="0"/>
+              </a:spcAft>
+              <a:buSzPct val="100000"/>
+              <a:buChar char="○"/>
+            </a:pPr>
+            <a:r>
+              <a:rPr lang="cs"/>
+              <a:t>Poškozením věcí</a:t>
+            </a:r>
+            <a:endParaRPr/>
+          </a:p>
+          <a:p>
+            <a:pPr indent="-310832" lvl="1" marL="914400" rtl="0" algn="l">
+              <a:spcBef>
+                <a:spcPts val="0"/>
+              </a:spcBef>
+              <a:spcAft>
+                <a:spcPts val="0"/>
+              </a:spcAft>
+              <a:buSzPct val="100000"/>
+              <a:buChar char="○"/>
+            </a:pPr>
+            <a:r>
+              <a:rPr lang="cs"/>
+              <a:t>Zraněním</a:t>
+            </a:r>
+            <a:endParaRPr/>
+          </a:p>
+          <a:p>
+            <a:pPr indent="-310832" lvl="1" marL="914400" rtl="0" algn="l">
+              <a:spcBef>
+                <a:spcPts val="0"/>
+              </a:spcBef>
+              <a:spcAft>
+                <a:spcPts val="0"/>
+              </a:spcAft>
+              <a:buSzPct val="100000"/>
+              <a:buChar char="○"/>
+            </a:pPr>
+            <a:r>
+              <a:rPr lang="cs"/>
+              <a:t>Smrtelným zraněním</a:t>
+            </a:r>
+            <a:endParaRPr/>
+          </a:p>
+          <a:p>
+            <a:pPr indent="-334327" lvl="0" marL="457200" rtl="0" algn="l">
+              <a:spcBef>
+                <a:spcPts val="0"/>
+              </a:spcBef>
+              <a:spcAft>
+                <a:spcPts val="0"/>
+              </a:spcAft>
+              <a:buSzPct val="100000"/>
+              <a:buChar char="●"/>
+            </a:pPr>
+            <a:r>
+              <a:rPr lang="cs"/>
+              <a:t>Nepleteme si s “warning” při překladu SW</a:t>
+            </a:r>
+            <a:endParaRPr/>
+          </a:p>
+          <a:p>
+            <a:pPr indent="-334327" lvl="0" marL="457200" rtl="0" algn="l">
+              <a:spcBef>
+                <a:spcPts val="0"/>
+              </a:spcBef>
+              <a:spcAft>
+                <a:spcPts val="0"/>
+              </a:spcAft>
+              <a:buSzPct val="100000"/>
+              <a:buChar char="●"/>
+            </a:pPr>
+            <a:r>
+              <a:rPr lang="cs"/>
+              <a:t>Neplýtváme!</a:t>
+            </a:r>
+            <a:endParaRPr/>
+          </a:p>
+          <a:p>
+            <a:pPr indent="-334327" lvl="0" marL="457200" rtl="0" algn="l">
+              <a:spcBef>
+                <a:spcPts val="0"/>
+              </a:spcBef>
+              <a:spcAft>
+                <a:spcPts val="0"/>
+              </a:spcAft>
+              <a:buSzPct val="100000"/>
+              <a:buChar char="●"/>
+            </a:pPr>
+            <a:r>
+              <a:rPr lang="cs"/>
+              <a:t>Výrazná grafika.</a:t>
             </a:r>
             <a:endParaRPr/>
           </a:p>
@@ -7826,7 +7958,22 @@
             </a:pPr>
             <a:r>
               <a:rPr lang="cs"/>
-              <a:t>Tip a poznámka se do sebe volně přelévají.</a:t>
+              <a:t>Pozor - právní důsledky apod.</a:t>
+            </a:r>
+            <a:endParaRPr/>
+          </a:p>
+          <a:p>
+            <a:pPr indent="0" lvl="0" marL="457200" rtl="0" algn="l">
+              <a:spcBef>
+                <a:spcPts val="1200"/>
+              </a:spcBef>
+              <a:spcAft>
+                <a:spcPts val="0"/>
+              </a:spcAft>
+              <a:buNone/>
+            </a:pPr>
+            <a:r>
+              <a:t/>
             </a:r>
             <a:endParaRPr/>
           </a:p>
@@ -7836,45 +7983,12 @@
                 <a:spcPts val="1200"/>
               </a:spcBef>
               <a:spcAft>
-                <a:spcPts val="0"/>
-              </a:spcAft>
-              <a:buNone/>
-            </a:pPr>
-            <a:r>
-              <a:rPr lang="cs"/>
-              <a:t>Může být vloženo do všech typů dokumentů.</a:t>
-            </a:r>
-            <a:endParaRPr/>
-          </a:p>
-          <a:p>
-            <a:pPr indent="0" lvl="0" marL="0" rtl="0" algn="l">
-              <a:spcBef>
                 <a:spcPts val="1200"/>
-              </a:spcBef>
-              <a:spcAft>
-                <a:spcPts val="0"/>
-              </a:spcAft>
-              <a:buNone/>
-            </a:pPr>
-            <a:r>
-              <a:rPr lang="cs"/>
-              <a:t>Obsahuje související informaci.</a:t>
-            </a:r>
-            <a:endParaRPr/>
-          </a:p>
-          <a:p>
-            <a:pPr indent="0" lvl="0" marL="0" rtl="0" algn="l">
-              <a:spcBef>
-                <a:spcPts val="1200"/>
-              </a:spcBef>
-              <a:spcAft>
-                <a:spcPts val="1200"/>
-              </a:spcAft>
-              <a:buNone/>
-            </a:pPr>
-            <a:r>
-              <a:rPr lang="cs"/>
-              <a:t>Grafické odlišení od zbytku textu.</a:t>
+              </a:spcAft>
+              <a:buNone/>
+            </a:pPr>
+            <a:r>
+              <a:t/>
             </a:r>
             <a:endParaRPr/>
           </a:p>
@@ -7888,12 +8002,12 @@
 </p:sld>
 </file>
 
-<file path=ppt/slides/slide13.xml><?xml version="1.0" encoding="utf-8"?>
+<file path=ppt/slides/slide14.xml><?xml version="1.0" encoding="utf-8"?>
 <p:sld xmlns:a="http://schemas.openxmlformats.org/drawingml/2006/main" xmlns:r="http://schemas.openxmlformats.org/officeDocument/2006/relationships" xmlns:mc="http://schemas.openxmlformats.org/markup-compatibility/2006" xmlns:mv="urn:schemas-microsoft-com:mac:vml" xmlns:p="http://schemas.openxmlformats.org/presentationml/2006/main" xmlns:c="http://schemas.openxmlformats.org/drawingml/2006/chart" xmlns:dgm="http://schemas.openxmlformats.org/drawingml/2006/diagram" xmlns:o="urn:schemas-microsoft-com:office:office" xmlns:v="urn:schemas-microsoft-com:vml" xmlns:pvml="urn:schemas-microsoft-com:office:powerpoint" xmlns:com="http://schemas.openxmlformats.org/drawingml/2006/compatibility" xmlns:p14="http://schemas.microsoft.com/office/powerpoint/2010/main" xmlns:p15="http://schemas.microsoft.com/office/powerpoint/2012/main" xmlns:ahyp="http://schemas.microsoft.com/office/drawing/2018/hyperlinkcolor">
   <p:cSld>
     <p:spTree>
       <p:nvGrpSpPr>
-        <p:cNvPr id="129" name="Shape 129"/>
+        <p:cNvPr id="131" name="Shape 131"/>
         <p:cNvGrpSpPr/>
         <p:nvPr/>
       </p:nvGrpSpPr>
@@ -7907,7 +8021,7 @@
       </p:grpSpPr>
       <p:sp>
         <p:nvSpPr>
-          <p:cNvPr id="130" name="Google Shape;130;p25"/>
+          <p:cNvPr id="132" name="Google Shape;132;p26"/>
           <p:cNvSpPr txBox="1"/>
           <p:nvPr>
             <p:ph type="title"/>
@@ -7939,7 +8053,7 @@
             </a:pPr>
             <a:r>
               <a:rPr lang="cs"/>
-              <a:t>Tip - ukázky</a:t>
+              <a:t>Varování - ukázky</a:t>
             </a:r>
             <a:endParaRPr/>
           </a:p>
@@ -7947,7 +8061,7 @@
       </p:sp>
       <p:sp>
         <p:nvSpPr>
-          <p:cNvPr id="131" name="Google Shape;131;p25"/>
+          <p:cNvPr id="133" name="Google Shape;133;p26"/>
           <p:cNvSpPr txBox="1"/>
           <p:nvPr>
             <p:ph idx="1" type="body"/>
@@ -7975,11 +8089,16 @@
               <a:spcAft>
                 <a:spcPts val="0"/>
               </a:spcAft>
+              <a:buClr>
+                <a:schemeClr val="dk1"/>
+              </a:buClr>
+              <a:buSzPts val="1100"/>
+              <a:buFont typeface="Arial"/>
               <a:buNone/>
             </a:pPr>
             <a:r>
               <a:rPr lang="cs"/>
-              <a:t>Hodinky Samsung:</a:t>
+              <a:t>Ukázka - Samsung - hodinky:</a:t>
             </a:r>
             <a:endParaRPr/>
           </a:p>
@@ -7991,11 +8110,16 @@
               <a:spcAft>
                 <a:spcPts val="0"/>
               </a:spcAft>
+              <a:buClr>
+                <a:schemeClr val="dk1"/>
+              </a:buClr>
+              <a:buSzPts val="1100"/>
+              <a:buFont typeface="Arial"/>
               <a:buNone/>
             </a:pPr>
             <a:r>
               <a:rPr lang="cs"/>
-              <a:t>Pokud přístroj nepoužíváte, odpojte nabíječku, ušetříte tak energii. Nabíječka nemá vypínač, proto ji musíte odpojit od zásuvky, aby se přerušil přívod energie. Nabíječka by měla během nabíjení zůstat v blízkosti elektrické zásuvky a měla by být snadno dostupná.</a:t>
+              <a:t>Varování (nejvážnější):</a:t>
             </a:r>
             <a:endParaRPr/>
           </a:p>
@@ -8007,11 +8131,16 @@
               <a:spcAft>
                 <a:spcPts val="0"/>
               </a:spcAft>
+              <a:buClr>
+                <a:schemeClr val="dk1"/>
+              </a:buClr>
+              <a:buSzPts val="1100"/>
+              <a:buFont typeface="Arial"/>
               <a:buNone/>
             </a:pPr>
             <a:r>
               <a:rPr lang="cs"/>
-              <a:t>Sušička AEG:</a:t>
+              <a:t>Používejte pouze nabíječku a kabel schválené společností Samsung a navržené výhradně pro vaše hodinky Watch. Nekompatibilní nabíječka a kabel mohou způsobit vážná poranění nebo poškození zařízení.</a:t>
             </a:r>
             <a:endParaRPr/>
           </a:p>
@@ -8023,11 +8152,16 @@
               <a:spcAft>
                 <a:spcPts val="0"/>
               </a:spcAft>
+              <a:buClr>
+                <a:schemeClr val="dk1"/>
+              </a:buClr>
+              <a:buSzPts val="1100"/>
+              <a:buFont typeface="Arial"/>
               <a:buNone/>
             </a:pPr>
             <a:r>
               <a:rPr lang="cs"/>
-              <a:t>9.1 Ekologické rady </a:t>
+              <a:t>Varování (středně vážné):</a:t>
             </a:r>
             <a:endParaRPr/>
           </a:p>
@@ -8039,11 +8173,16 @@
               <a:spcAft>
                 <a:spcPts val="0"/>
               </a:spcAft>
+              <a:buClr>
+                <a:schemeClr val="dk1"/>
+              </a:buClr>
+              <a:buSzPts val="1100"/>
+              <a:buFont typeface="Arial"/>
               <a:buNone/>
             </a:pPr>
             <a:r>
               <a:rPr lang="cs"/>
-              <a:t>• Před sušením prádlo dobře odstřeďte. </a:t>
+              <a:t>Nesprávné připojení nabíječky může způsobit vážné poškození zařízení. Na poškození způsobená nesprávným použitím se nevztahuje záruka.</a:t>
             </a:r>
             <a:endParaRPr/>
           </a:p>
@@ -8058,161 +8197,7 @@
               <a:buNone/>
             </a:pPr>
             <a:r>
-              <a:rPr lang="cs"/>
-              <a:t>• Nepřekračujte množství prádla, která jsou uvedená v kapitole programů.</a:t>
-            </a:r>
-            <a:endParaRPr/>
-          </a:p>
-        </p:txBody>
-      </p:sp>
-    </p:spTree>
-  </p:cSld>
-  <p:clrMapOvr>
-    <a:masterClrMapping/>
-  </p:clrMapOvr>
-</p:sld>
-</file>
-
-<file path=ppt/slides/slide14.xml><?xml version="1.0" encoding="utf-8"?>
-<p:sld xmlns:a="http://schemas.openxmlformats.org/drawingml/2006/main" xmlns:r="http://schemas.openxmlformats.org/officeDocument/2006/relationships" xmlns:mc="http://schemas.openxmlformats.org/markup-compatibility/2006" xmlns:mv="urn:schemas-microsoft-com:mac:vml" xmlns:p="http://schemas.openxmlformats.org/presentationml/2006/main" xmlns:c="http://schemas.openxmlformats.org/drawingml/2006/chart" xmlns:dgm="http://schemas.openxmlformats.org/drawingml/2006/diagram" xmlns:o="urn:schemas-microsoft-com:office:office" xmlns:v="urn:schemas-microsoft-com:vml" xmlns:pvml="urn:schemas-microsoft-com:office:powerpoint" xmlns:com="http://schemas.openxmlformats.org/drawingml/2006/compatibility" xmlns:p14="http://schemas.microsoft.com/office/powerpoint/2010/main" xmlns:p15="http://schemas.microsoft.com/office/powerpoint/2012/main" xmlns:ahyp="http://schemas.microsoft.com/office/drawing/2018/hyperlinkcolor">
-  <p:cSld>
-    <p:spTree>
-      <p:nvGrpSpPr>
-        <p:cNvPr id="135" name="Shape 135"/>
-        <p:cNvGrpSpPr/>
-        <p:nvPr/>
-      </p:nvGrpSpPr>
-      <p:grpSpPr>
-        <a:xfrm>
-          <a:off x="0" y="0"/>
-          <a:ext cx="0" cy="0"/>
-          <a:chOff x="0" y="0"/>
-          <a:chExt cx="0" cy="0"/>
-        </a:xfrm>
-      </p:grpSpPr>
-      <p:sp>
-        <p:nvSpPr>
-          <p:cNvPr id="136" name="Google Shape;136;p26"/>
-          <p:cNvSpPr txBox="1"/>
-          <p:nvPr>
-            <p:ph type="title"/>
-          </p:nvPr>
-        </p:nvSpPr>
-        <p:spPr>
-          <a:xfrm>
-            <a:off x="311700" y="445025"/>
-            <a:ext cx="8520600" cy="572700"/>
-          </a:xfrm>
-          <a:prstGeom prst="rect">
-            <a:avLst/>
-          </a:prstGeom>
-        </p:spPr>
-        <p:txBody>
-          <a:bodyPr anchorCtr="0" anchor="t" bIns="91425" lIns="91425" spcFirstLastPara="1" rIns="91425" wrap="square" tIns="91425">
-            <a:normAutofit fontScale="90000"/>
-          </a:bodyPr>
-          <a:lstStyle/>
-          <a:p>
-            <a:pPr indent="0" lvl="0" marL="0" rtl="0" algn="l">
-              <a:spcBef>
-                <a:spcPts val="0"/>
-              </a:spcBef>
-              <a:spcAft>
-                <a:spcPts val="0"/>
-              </a:spcAft>
-              <a:buNone/>
-            </a:pPr>
-            <a:r>
-              <a:rPr lang="cs"/>
-              <a:t>Poznámka - ukázky</a:t>
-            </a:r>
-            <a:endParaRPr/>
-          </a:p>
-        </p:txBody>
-      </p:sp>
-      <p:sp>
-        <p:nvSpPr>
-          <p:cNvPr id="137" name="Google Shape;137;p26"/>
-          <p:cNvSpPr txBox="1"/>
-          <p:nvPr>
-            <p:ph idx="1" type="body"/>
-          </p:nvPr>
-        </p:nvSpPr>
-        <p:spPr>
-          <a:xfrm>
-            <a:off x="311700" y="1152475"/>
-            <a:ext cx="8520600" cy="3416400"/>
-          </a:xfrm>
-          <a:prstGeom prst="rect">
-            <a:avLst/>
-          </a:prstGeom>
-        </p:spPr>
-        <p:txBody>
-          <a:bodyPr anchorCtr="0" anchor="t" bIns="91425" lIns="91425" spcFirstLastPara="1" rIns="91425" wrap="square" tIns="91425">
-            <a:normAutofit/>
-          </a:bodyPr>
-          <a:lstStyle/>
-          <a:p>
-            <a:pPr indent="0" lvl="0" marL="0" rtl="0" algn="l">
-              <a:spcBef>
-                <a:spcPts val="0"/>
-              </a:spcBef>
-              <a:spcAft>
-                <a:spcPts val="0"/>
-              </a:spcAft>
-              <a:buNone/>
-            </a:pPr>
-            <a:r>
-              <a:rPr lang="cs"/>
-              <a:t>NXP - Release notes:</a:t>
-            </a:r>
-            <a:endParaRPr/>
-          </a:p>
-          <a:p>
-            <a:pPr indent="0" lvl="0" marL="0" rtl="0" algn="l">
-              <a:spcBef>
-                <a:spcPts val="1200"/>
-              </a:spcBef>
-              <a:spcAft>
-                <a:spcPts val="0"/>
-              </a:spcAft>
-              <a:buNone/>
-            </a:pPr>
-            <a:r>
-              <a:rPr lang="cs"/>
-              <a:t>This is the final release BSP support of the i.MX 6 SABRE-AI (auto) boards and final release of the i.MX 8DualX MEK board.</a:t>
-            </a:r>
-            <a:endParaRPr/>
-          </a:p>
-          <a:p>
-            <a:pPr indent="0" lvl="0" marL="0" rtl="0" algn="l">
-              <a:spcBef>
-                <a:spcPts val="1200"/>
-              </a:spcBef>
-              <a:spcAft>
-                <a:spcPts val="0"/>
-              </a:spcAft>
-              <a:buNone/>
-            </a:pPr>
-            <a:r>
-              <a:rPr lang="cs"/>
-              <a:t>NXP: Linux (poznámka k použití UUU - nahrávání SW na desky)</a:t>
-            </a:r>
-            <a:endParaRPr/>
-          </a:p>
-          <a:p>
-            <a:pPr indent="0" lvl="0" marL="0" rtl="0" algn="l">
-              <a:spcBef>
-                <a:spcPts val="1200"/>
-              </a:spcBef>
-              <a:spcAft>
-                <a:spcPts val="1200"/>
-              </a:spcAft>
-              <a:buNone/>
-            </a:pPr>
-            <a:r>
-              <a:rPr lang="cs"/>
-              <a:t>For i.MX 8QuadXPlus B0, UUU flashes the eMMC image to boot partition with 32 KB offset. It may not be compatible with all eMMC devices. It is recommended to enable eMMC fastboot mode and use the UUU kernel version script to flash the eMMC image to boot partition with 0 offset.</a:t>
+              <a:t/>
             </a:r>
             <a:endParaRPr/>
           </a:p>
@@ -8229,9 +8214,16 @@
 <file path=ppt/slides/slide15.xml><?xml version="1.0" encoding="utf-8"?>
 <p:sld xmlns:a="http://schemas.openxmlformats.org/drawingml/2006/main" xmlns:r="http://schemas.openxmlformats.org/officeDocument/2006/relationships" xmlns:mc="http://schemas.openxmlformats.org/markup-compatibility/2006" xmlns:mv="urn:schemas-microsoft-com:mac:vml" xmlns:p="http://schemas.openxmlformats.org/presentationml/2006/main" xmlns:c="http://schemas.openxmlformats.org/drawingml/2006/chart" xmlns:dgm="http://schemas.openxmlformats.org/drawingml/2006/diagram" xmlns:o="urn:schemas-microsoft-com:office:office" xmlns:v="urn:schemas-microsoft-com:vml" xmlns:pvml="urn:schemas-microsoft-com:office:powerpoint" xmlns:com="http://schemas.openxmlformats.org/drawingml/2006/compatibility" xmlns:p14="http://schemas.microsoft.com/office/powerpoint/2010/main" xmlns:p15="http://schemas.microsoft.com/office/powerpoint/2012/main" xmlns:ahyp="http://schemas.microsoft.com/office/drawing/2018/hyperlinkcolor">
   <p:cSld>
+    <p:bg>
+      <p:bgPr>
+        <a:solidFill>
+          <a:srgbClr val="FFFFFF"/>
+        </a:solidFill>
+      </p:bgPr>
+    </p:bg>
     <p:spTree>
       <p:nvGrpSpPr>
-        <p:cNvPr id="141" name="Shape 141"/>
+        <p:cNvPr id="137" name="Shape 137"/>
         <p:cNvGrpSpPr/>
         <p:nvPr/>
       </p:nvGrpSpPr>
@@ -8243,26 +8235,88 @@
           <a:chExt cx="0" cy="0"/>
         </a:xfrm>
       </p:grpSpPr>
-      <p:sp>
-        <p:nvSpPr>
-          <p:cNvPr id="142" name="Google Shape;142;p27"/>
-          <p:cNvSpPr txBox="1"/>
-          <p:nvPr>
-            <p:ph type="title"/>
-          </p:nvPr>
-        </p:nvSpPr>
+      <p:pic>
+        <p:nvPicPr>
+          <p:cNvPr descr="poll-type-id" id="138" name="Google Shape;138;p27">
+            <a:hlinkClick r:id="rId3"/>
+          </p:cNvPr>
+          <p:cNvPicPr preferRelativeResize="0"/>
+          <p:nvPr/>
+        </p:nvPicPr>
+        <p:blipFill>
+          <a:blip r:embed="rId4">
+            <a:alphaModFix/>
+          </a:blip>
+          <a:stretch>
+            <a:fillRect/>
+          </a:stretch>
+        </p:blipFill>
         <p:spPr>
           <a:xfrm>
-            <a:off x="311700" y="445025"/>
-            <a:ext cx="8520600" cy="572700"/>
+            <a:off x="508000" y="1657350"/>
+            <a:ext cx="1828800" cy="1828800"/>
           </a:xfrm>
           <a:prstGeom prst="rect">
             <a:avLst/>
           </a:prstGeom>
+          <a:noFill/>
+          <a:ln>
+            <a:noFill/>
+          </a:ln>
+        </p:spPr>
+      </p:pic>
+      <p:pic>
+        <p:nvPicPr>
+          <p:cNvPr descr="logo-id" id="139" name="Google Shape;139;p27">
+            <a:hlinkClick r:id="rId5"/>
+          </p:cNvPr>
+          <p:cNvPicPr preferRelativeResize="0"/>
+          <p:nvPr/>
+        </p:nvPicPr>
+        <p:blipFill>
+          <a:blip r:embed="rId6">
+            <a:alphaModFix/>
+          </a:blip>
+          <a:stretch>
+            <a:fillRect/>
+          </a:stretch>
+        </p:blipFill>
+        <p:spPr>
+          <a:xfrm>
+            <a:off x="2612020" y="508000"/>
+            <a:ext cx="874500" cy="382594"/>
+          </a:xfrm>
+          <a:prstGeom prst="rect">
+            <a:avLst/>
+          </a:prstGeom>
+          <a:noFill/>
+          <a:ln>
+            <a:noFill/>
+          </a:ln>
+        </p:spPr>
+      </p:pic>
+      <p:sp>
+        <p:nvSpPr>
+          <p:cNvPr descr="title-id" id="140" name="Google Shape;140;p27"/>
+          <p:cNvSpPr txBox="1"/>
+          <p:nvPr/>
+        </p:nvSpPr>
+        <p:spPr>
+          <a:xfrm>
+            <a:off x="2590800" y="1928813"/>
+            <a:ext cx="6045300" cy="1285800"/>
+          </a:xfrm>
+          <a:prstGeom prst="rect">
+            <a:avLst/>
+          </a:prstGeom>
+          <a:noFill/>
+          <a:ln>
+            <a:noFill/>
+          </a:ln>
         </p:spPr>
         <p:txBody>
-          <a:bodyPr anchorCtr="0" anchor="t" bIns="91425" lIns="91425" spcFirstLastPara="1" rIns="91425" wrap="square" tIns="91425">
-            <a:normAutofit fontScale="90000"/>
+          <a:bodyPr anchorCtr="0" anchor="ctr" bIns="91425" lIns="91425" spcFirstLastPara="1" rIns="91425" wrap="square" tIns="91425">
+            <a:noAutofit/>
           </a:bodyPr>
           <a:lstStyle/>
           <a:p>
@@ -8276,233 +8330,96 @@
               <a:buNone/>
             </a:pPr>
             <a:r>
-              <a:rPr lang="cs"/>
-              <a:t>Varování	</a:t>
-            </a:r>
-            <a:endParaRPr/>
+              <a:rPr b="1" lang="cs" sz="3600">
+                <a:solidFill>
+                  <a:srgbClr val="5B5B5B"/>
+                </a:solidFill>
+                <a:latin typeface="Roboto"/>
+                <a:ea typeface="Roboto"/>
+                <a:cs typeface="Roboto"/>
+                <a:sym typeface="Roboto"/>
+              </a:rPr>
+              <a:t>Jak mě to dnes bavilo?</a:t>
+            </a:r>
+            <a:endParaRPr b="1" sz="3600">
+              <a:solidFill>
+                <a:srgbClr val="5B5B5B"/>
+              </a:solidFill>
+              <a:latin typeface="Roboto"/>
+              <a:ea typeface="Roboto"/>
+              <a:cs typeface="Roboto"/>
+              <a:sym typeface="Roboto"/>
+            </a:endParaRPr>
           </a:p>
         </p:txBody>
       </p:sp>
       <p:sp>
         <p:nvSpPr>
-          <p:cNvPr id="143" name="Google Shape;143;p27"/>
+          <p:cNvPr descr="footer-id" id="141" name="Google Shape;141;p27"/>
           <p:cNvSpPr txBox="1"/>
-          <p:nvPr>
-            <p:ph idx="1" type="body"/>
-          </p:nvPr>
+          <p:nvPr/>
         </p:nvSpPr>
         <p:spPr>
           <a:xfrm>
-            <a:off x="311700" y="1152475"/>
-            <a:ext cx="8520600" cy="3416400"/>
+            <a:off x="2590800" y="4381500"/>
+            <a:ext cx="6299100" cy="382500"/>
           </a:xfrm>
           <a:prstGeom prst="rect">
             <a:avLst/>
           </a:prstGeom>
+          <a:noFill/>
+          <a:ln>
+            <a:noFill/>
+          </a:ln>
         </p:spPr>
         <p:txBody>
-          <a:bodyPr anchorCtr="0" anchor="t" bIns="91425" lIns="91425" spcFirstLastPara="1" rIns="91425" wrap="square" tIns="91425">
-            <a:normAutofit fontScale="92500" lnSpcReduction="20000"/>
+          <a:bodyPr anchorCtr="0" anchor="ctr" bIns="91425" lIns="91425" spcFirstLastPara="1" rIns="91425" wrap="square" tIns="91425">
+            <a:noAutofit/>
           </a:bodyPr>
           <a:lstStyle/>
           <a:p>
-            <a:pPr indent="-334327" lvl="0" marL="457200" rtl="0" algn="l">
-              <a:spcBef>
-                <a:spcPts val="0"/>
-              </a:spcBef>
-              <a:spcAft>
-                <a:spcPts val="0"/>
-              </a:spcAft>
-              <a:buSzPct val="100000"/>
-              <a:buChar char="●"/>
-            </a:pPr>
-            <a:r>
-              <a:rPr lang="cs"/>
-              <a:t>Může být dále strukturováno dle míry nebezpečí</a:t>
-            </a:r>
-            <a:endParaRPr/>
-          </a:p>
-          <a:p>
-            <a:pPr indent="-334327" lvl="0" marL="457200" rtl="0" algn="l">
-              <a:spcBef>
-                <a:spcPts val="0"/>
-              </a:spcBef>
-              <a:spcAft>
-                <a:spcPts val="0"/>
-              </a:spcAft>
-              <a:buSzPct val="100000"/>
-              <a:buChar char="●"/>
-            </a:pPr>
-            <a:r>
-              <a:rPr lang="cs"/>
-              <a:t>Standardy, které předepisují vzhled, strukturu, značky</a:t>
-            </a:r>
-            <a:endParaRPr/>
-          </a:p>
-          <a:p>
-            <a:pPr indent="-334327" lvl="0" marL="457200" rtl="0" algn="l">
-              <a:spcBef>
-                <a:spcPts val="0"/>
-              </a:spcBef>
-              <a:spcAft>
-                <a:spcPts val="0"/>
-              </a:spcAft>
-              <a:buSzPct val="100000"/>
-              <a:buChar char="●"/>
-            </a:pPr>
-            <a:r>
-              <a:rPr lang="cs"/>
-              <a:t>Varujeme před:</a:t>
-            </a:r>
-            <a:endParaRPr/>
-          </a:p>
-          <a:p>
-            <a:pPr indent="-310832" lvl="1" marL="914400" rtl="0" algn="l">
-              <a:spcBef>
-                <a:spcPts val="0"/>
-              </a:spcBef>
-              <a:spcAft>
-                <a:spcPts val="0"/>
-              </a:spcAft>
-              <a:buSzPct val="100000"/>
-              <a:buChar char="○"/>
-            </a:pPr>
-            <a:r>
-              <a:rPr lang="cs"/>
-              <a:t>Poškozením věcí</a:t>
-            </a:r>
-            <a:endParaRPr/>
-          </a:p>
-          <a:p>
-            <a:pPr indent="-310832" lvl="1" marL="914400" rtl="0" algn="l">
-              <a:spcBef>
-                <a:spcPts val="0"/>
-              </a:spcBef>
-              <a:spcAft>
-                <a:spcPts val="0"/>
-              </a:spcAft>
-              <a:buSzPct val="100000"/>
-              <a:buChar char="○"/>
-            </a:pPr>
-            <a:r>
-              <a:rPr lang="cs"/>
-              <a:t>Zraněním</a:t>
-            </a:r>
-            <a:endParaRPr/>
-          </a:p>
-          <a:p>
-            <a:pPr indent="-310832" lvl="1" marL="914400" rtl="0" algn="l">
-              <a:spcBef>
-                <a:spcPts val="0"/>
-              </a:spcBef>
-              <a:spcAft>
-                <a:spcPts val="0"/>
-              </a:spcAft>
-              <a:buSzPct val="100000"/>
-              <a:buChar char="○"/>
-            </a:pPr>
-            <a:r>
-              <a:rPr lang="cs"/>
-              <a:t>Smrtelným zraněním</a:t>
-            </a:r>
-            <a:endParaRPr/>
-          </a:p>
-          <a:p>
-            <a:pPr indent="-334327" lvl="0" marL="457200" rtl="0" algn="l">
-              <a:spcBef>
-                <a:spcPts val="0"/>
-              </a:spcBef>
-              <a:spcAft>
-                <a:spcPts val="0"/>
-              </a:spcAft>
-              <a:buSzPct val="100000"/>
-              <a:buChar char="●"/>
-            </a:pPr>
-            <a:r>
-              <a:rPr lang="cs"/>
-              <a:t>Nepleteme si s “warning” při překladu SW</a:t>
-            </a:r>
-            <a:endParaRPr/>
-          </a:p>
-          <a:p>
-            <a:pPr indent="-334327" lvl="0" marL="457200" rtl="0" algn="l">
-              <a:spcBef>
-                <a:spcPts val="0"/>
-              </a:spcBef>
-              <a:spcAft>
-                <a:spcPts val="0"/>
-              </a:spcAft>
-              <a:buSzPct val="100000"/>
-              <a:buChar char="●"/>
-            </a:pPr>
-            <a:r>
-              <a:rPr lang="cs"/>
-              <a:t>Neplýtváme!</a:t>
-            </a:r>
-            <a:endParaRPr/>
-          </a:p>
-          <a:p>
-            <a:pPr indent="-334327" lvl="0" marL="457200" rtl="0" algn="l">
-              <a:spcBef>
-                <a:spcPts val="0"/>
-              </a:spcBef>
-              <a:spcAft>
-                <a:spcPts val="0"/>
-              </a:spcAft>
-              <a:buSzPct val="100000"/>
-              <a:buChar char="●"/>
-            </a:pPr>
-            <a:r>
-              <a:rPr lang="cs"/>
-              <a:t>Výrazná grafika.</a:t>
-            </a:r>
-            <a:endParaRPr/>
-          </a:p>
-          <a:p>
             <a:pPr indent="0" lvl="0" marL="0" rtl="0" algn="l">
               <a:spcBef>
-                <a:spcPts val="1200"/>
-              </a:spcBef>
-              <a:spcAft>
-                <a:spcPts val="0"/>
-              </a:spcAft>
-              <a:buNone/>
-            </a:pPr>
-            <a:r>
-              <a:rPr lang="cs"/>
-              <a:t>Pozor - právní důsledky apod.</a:t>
-            </a:r>
-            <a:endParaRPr/>
-          </a:p>
-          <a:p>
-            <a:pPr indent="0" lvl="0" marL="457200" rtl="0" algn="l">
-              <a:spcBef>
-                <a:spcPts val="1200"/>
-              </a:spcBef>
-              <a:spcAft>
-                <a:spcPts val="0"/>
-              </a:spcAft>
-              <a:buNone/>
-            </a:pPr>
-            <a:r>
-              <a:t/>
-            </a:r>
-            <a:endParaRPr/>
-          </a:p>
-          <a:p>
-            <a:pPr indent="0" lvl="0" marL="0" rtl="0" algn="l">
-              <a:spcBef>
-                <a:spcPts val="1200"/>
-              </a:spcBef>
-              <a:spcAft>
-                <a:spcPts val="1200"/>
-              </a:spcAft>
-              <a:buNone/>
-            </a:pPr>
-            <a:r>
-              <a:t/>
-            </a:r>
-            <a:endParaRPr/>
+                <a:spcPts val="0"/>
+              </a:spcBef>
+              <a:spcAft>
+                <a:spcPts val="0"/>
+              </a:spcAft>
+              <a:buNone/>
+            </a:pPr>
+            <a:r>
+              <a:rPr b="1" lang="cs" sz="1300">
+                <a:solidFill>
+                  <a:srgbClr val="5B5B5B"/>
+                </a:solidFill>
+                <a:latin typeface="Roboto"/>
+                <a:ea typeface="Roboto"/>
+                <a:cs typeface="Roboto"/>
+                <a:sym typeface="Roboto"/>
+              </a:rPr>
+              <a:t>ⓘ</a:t>
+            </a:r>
+            <a:r>
+              <a:rPr lang="cs">
+                <a:solidFill>
+                  <a:srgbClr val="5B5B5B"/>
+                </a:solidFill>
+                <a:latin typeface="Roboto"/>
+                <a:ea typeface="Roboto"/>
+                <a:cs typeface="Roboto"/>
+                <a:sym typeface="Roboto"/>
+              </a:rPr>
+              <a:t> Start presenting to display the poll results on this slide.</a:t>
+            </a:r>
+            <a:endParaRPr>
+              <a:solidFill>
+                <a:srgbClr val="5B5B5B"/>
+              </a:solidFill>
+              <a:latin typeface="Roboto"/>
+              <a:ea typeface="Roboto"/>
+              <a:cs typeface="Roboto"/>
+              <a:sym typeface="Roboto"/>
+            </a:endParaRPr>
           </a:p>
         </p:txBody>
       </p:sp>
@@ -8517,9 +8434,16 @@
 <file path=ppt/slides/slide16.xml><?xml version="1.0" encoding="utf-8"?>
 <p:sld xmlns:a="http://schemas.openxmlformats.org/drawingml/2006/main" xmlns:r="http://schemas.openxmlformats.org/officeDocument/2006/relationships" xmlns:mc="http://schemas.openxmlformats.org/markup-compatibility/2006" xmlns:mv="urn:schemas-microsoft-com:mac:vml" xmlns:p="http://schemas.openxmlformats.org/presentationml/2006/main" xmlns:c="http://schemas.openxmlformats.org/drawingml/2006/chart" xmlns:dgm="http://schemas.openxmlformats.org/drawingml/2006/diagram" xmlns:o="urn:schemas-microsoft-com:office:office" xmlns:v="urn:schemas-microsoft-com:vml" xmlns:pvml="urn:schemas-microsoft-com:office:powerpoint" xmlns:com="http://schemas.openxmlformats.org/drawingml/2006/compatibility" xmlns:p14="http://schemas.microsoft.com/office/powerpoint/2010/main" xmlns:p15="http://schemas.microsoft.com/office/powerpoint/2012/main" xmlns:ahyp="http://schemas.microsoft.com/office/drawing/2018/hyperlinkcolor">
   <p:cSld>
+    <p:bg>
+      <p:bgPr>
+        <a:solidFill>
+          <a:srgbClr val="FFFFFF"/>
+        </a:solidFill>
+      </p:bgPr>
+    </p:bg>
     <p:spTree>
       <p:nvGrpSpPr>
-        <p:cNvPr id="147" name="Shape 147"/>
+        <p:cNvPr id="145" name="Shape 145"/>
         <p:cNvGrpSpPr/>
         <p:nvPr/>
       </p:nvGrpSpPr>
@@ -8531,26 +8455,88 @@
           <a:chExt cx="0" cy="0"/>
         </a:xfrm>
       </p:grpSpPr>
-      <p:sp>
-        <p:nvSpPr>
-          <p:cNvPr id="148" name="Google Shape;148;p28"/>
-          <p:cNvSpPr txBox="1"/>
-          <p:nvPr>
-            <p:ph type="title"/>
-          </p:nvPr>
-        </p:nvSpPr>
+      <p:pic>
+        <p:nvPicPr>
+          <p:cNvPr descr="poll-type-id" id="146" name="Google Shape;146;p28">
+            <a:hlinkClick r:id="rId3"/>
+          </p:cNvPr>
+          <p:cNvPicPr preferRelativeResize="0"/>
+          <p:nvPr/>
+        </p:nvPicPr>
+        <p:blipFill>
+          <a:blip r:embed="rId4">
+            <a:alphaModFix/>
+          </a:blip>
+          <a:stretch>
+            <a:fillRect/>
+          </a:stretch>
+        </p:blipFill>
         <p:spPr>
           <a:xfrm>
-            <a:off x="311700" y="445025"/>
-            <a:ext cx="8520600" cy="572700"/>
+            <a:off x="508000" y="1657350"/>
+            <a:ext cx="1828800" cy="1828800"/>
           </a:xfrm>
           <a:prstGeom prst="rect">
             <a:avLst/>
           </a:prstGeom>
+          <a:noFill/>
+          <a:ln>
+            <a:noFill/>
+          </a:ln>
+        </p:spPr>
+      </p:pic>
+      <p:pic>
+        <p:nvPicPr>
+          <p:cNvPr descr="logo-id" id="147" name="Google Shape;147;p28">
+            <a:hlinkClick r:id="rId5"/>
+          </p:cNvPr>
+          <p:cNvPicPr preferRelativeResize="0"/>
+          <p:nvPr/>
+        </p:nvPicPr>
+        <p:blipFill>
+          <a:blip r:embed="rId6">
+            <a:alphaModFix/>
+          </a:blip>
+          <a:stretch>
+            <a:fillRect/>
+          </a:stretch>
+        </p:blipFill>
+        <p:spPr>
+          <a:xfrm>
+            <a:off x="2612020" y="508000"/>
+            <a:ext cx="874500" cy="382594"/>
+          </a:xfrm>
+          <a:prstGeom prst="rect">
+            <a:avLst/>
+          </a:prstGeom>
+          <a:noFill/>
+          <a:ln>
+            <a:noFill/>
+          </a:ln>
+        </p:spPr>
+      </p:pic>
+      <p:sp>
+        <p:nvSpPr>
+          <p:cNvPr descr="title-id" id="148" name="Google Shape;148;p28"/>
+          <p:cNvSpPr txBox="1"/>
+          <p:nvPr/>
+        </p:nvSpPr>
+        <p:spPr>
+          <a:xfrm>
+            <a:off x="2590800" y="1928813"/>
+            <a:ext cx="6045300" cy="1285800"/>
+          </a:xfrm>
+          <a:prstGeom prst="rect">
+            <a:avLst/>
+          </a:prstGeom>
+          <a:noFill/>
+          <a:ln>
+            <a:noFill/>
+          </a:ln>
         </p:spPr>
         <p:txBody>
-          <a:bodyPr anchorCtr="0" anchor="t" bIns="91425" lIns="91425" spcFirstLastPara="1" rIns="91425" wrap="square" tIns="91425">
-            <a:normAutofit fontScale="90000"/>
+          <a:bodyPr anchorCtr="0" anchor="ctr" bIns="91425" lIns="91425" spcFirstLastPara="1" rIns="91425" wrap="square" tIns="91425">
+            <a:noAutofit/>
           </a:bodyPr>
           <a:lstStyle/>
           <a:p>
@@ -8564,33 +8550,51 @@
               <a:buNone/>
             </a:pPr>
             <a:r>
-              <a:rPr lang="cs"/>
-              <a:t>Varování - ukázky</a:t>
-            </a:r>
-            <a:endParaRPr/>
+              <a:rPr b="1" lang="cs" sz="3600">
+                <a:solidFill>
+                  <a:srgbClr val="5B5B5B"/>
+                </a:solidFill>
+                <a:latin typeface="Roboto"/>
+                <a:ea typeface="Roboto"/>
+                <a:cs typeface="Roboto"/>
+                <a:sym typeface="Roboto"/>
+              </a:rPr>
+              <a:t>Jak to bylo náročné?</a:t>
+            </a:r>
+            <a:endParaRPr b="1" sz="3600">
+              <a:solidFill>
+                <a:srgbClr val="5B5B5B"/>
+              </a:solidFill>
+              <a:latin typeface="Roboto"/>
+              <a:ea typeface="Roboto"/>
+              <a:cs typeface="Roboto"/>
+              <a:sym typeface="Roboto"/>
+            </a:endParaRPr>
           </a:p>
         </p:txBody>
       </p:sp>
       <p:sp>
         <p:nvSpPr>
-          <p:cNvPr id="149" name="Google Shape;149;p28"/>
+          <p:cNvPr descr="footer-id" id="149" name="Google Shape;149;p28"/>
           <p:cNvSpPr txBox="1"/>
-          <p:nvPr>
-            <p:ph idx="1" type="body"/>
-          </p:nvPr>
+          <p:nvPr/>
         </p:nvSpPr>
         <p:spPr>
           <a:xfrm>
-            <a:off x="311700" y="1152475"/>
-            <a:ext cx="8520600" cy="3416400"/>
+            <a:off x="2590800" y="4381500"/>
+            <a:ext cx="6299100" cy="382500"/>
           </a:xfrm>
           <a:prstGeom prst="rect">
             <a:avLst/>
           </a:prstGeom>
+          <a:noFill/>
+          <a:ln>
+            <a:noFill/>
+          </a:ln>
         </p:spPr>
         <p:txBody>
-          <a:bodyPr anchorCtr="0" anchor="t" bIns="91425" lIns="91425" spcFirstLastPara="1" rIns="91425" wrap="square" tIns="91425">
-            <a:normAutofit lnSpcReduction="20000"/>
+          <a:bodyPr anchorCtr="0" anchor="ctr" bIns="91425" lIns="91425" spcFirstLastPara="1" rIns="91425" wrap="square" tIns="91425">
+            <a:noAutofit/>
           </a:bodyPr>
           <a:lstStyle/>
           <a:p>
@@ -8601,117 +8605,41 @@
               <a:spcAft>
                 <a:spcPts val="0"/>
               </a:spcAft>
-              <a:buClr>
-                <a:schemeClr val="dk1"/>
-              </a:buClr>
-              <a:buSzPts val="1100"/>
-              <a:buFont typeface="Arial"/>
-              <a:buNone/>
-            </a:pPr>
-            <a:r>
-              <a:rPr lang="cs"/>
-              <a:t>Ukázka - Samsung - hodinky:</a:t>
-            </a:r>
-            <a:endParaRPr/>
-          </a:p>
-          <a:p>
-            <a:pPr indent="0" lvl="0" marL="0" rtl="0" algn="l">
-              <a:spcBef>
-                <a:spcPts val="1200"/>
-              </a:spcBef>
-              <a:spcAft>
-                <a:spcPts val="0"/>
-              </a:spcAft>
-              <a:buClr>
-                <a:schemeClr val="dk1"/>
-              </a:buClr>
-              <a:buSzPts val="1100"/>
-              <a:buFont typeface="Arial"/>
-              <a:buNone/>
-            </a:pPr>
-            <a:r>
-              <a:rPr lang="cs"/>
-              <a:t>Varování (nejvážnější):</a:t>
-            </a:r>
-            <a:endParaRPr/>
-          </a:p>
-          <a:p>
-            <a:pPr indent="0" lvl="0" marL="0" rtl="0" algn="l">
-              <a:spcBef>
-                <a:spcPts val="1200"/>
-              </a:spcBef>
-              <a:spcAft>
-                <a:spcPts val="0"/>
-              </a:spcAft>
-              <a:buClr>
-                <a:schemeClr val="dk1"/>
-              </a:buClr>
-              <a:buSzPts val="1100"/>
-              <a:buFont typeface="Arial"/>
-              <a:buNone/>
-            </a:pPr>
-            <a:r>
-              <a:rPr lang="cs"/>
-              <a:t>Používejte pouze nabíječku a kabel schválené společností Samsung a navržené výhradně pro vaše hodinky Watch. Nekompatibilní nabíječka a kabel mohou způsobit vážná poranění nebo poškození zařízení.</a:t>
-            </a:r>
-            <a:endParaRPr/>
-          </a:p>
-          <a:p>
-            <a:pPr indent="0" lvl="0" marL="0" rtl="0" algn="l">
-              <a:spcBef>
-                <a:spcPts val="1200"/>
-              </a:spcBef>
-              <a:spcAft>
-                <a:spcPts val="0"/>
-              </a:spcAft>
-              <a:buClr>
-                <a:schemeClr val="dk1"/>
-              </a:buClr>
-              <a:buSzPts val="1100"/>
-              <a:buFont typeface="Arial"/>
-              <a:buNone/>
-            </a:pPr>
-            <a:r>
-              <a:rPr lang="cs"/>
-              <a:t>Varování (středně vážné):</a:t>
-            </a:r>
-            <a:endParaRPr/>
-          </a:p>
-          <a:p>
-            <a:pPr indent="0" lvl="0" marL="0" rtl="0" algn="l">
-              <a:spcBef>
-                <a:spcPts val="1200"/>
-              </a:spcBef>
-              <a:spcAft>
-                <a:spcPts val="0"/>
-              </a:spcAft>
-              <a:buClr>
-                <a:schemeClr val="dk1"/>
-              </a:buClr>
-              <a:buSzPts val="1100"/>
-              <a:buFont typeface="Arial"/>
-              <a:buNone/>
-            </a:pPr>
-            <a:r>
-              <a:rPr lang="cs"/>
-              <a:t>Nesprávné připojení nabíječky může způsobit vážné poškození zařízení. Na poškození způsobená nesprávným použitím se nevztahuje záruka.</a:t>
-            </a:r>
-            <a:endParaRPr/>
-          </a:p>
-          <a:p>
-            <a:pPr indent="0" lvl="0" marL="0" rtl="0" algn="l">
-              <a:spcBef>
-                <a:spcPts val="1200"/>
-              </a:spcBef>
-              <a:spcAft>
-                <a:spcPts val="1200"/>
-              </a:spcAft>
-              <a:buNone/>
-            </a:pPr>
-            <a:r>
-              <a:t/>
-            </a:r>
-            <a:endParaRPr/>
+              <a:buNone/>
+            </a:pPr>
+            <a:r>
+              <a:rPr b="1" lang="cs" sz="1300">
+                <a:solidFill>
+                  <a:srgbClr val="5B5B5B"/>
+                </a:solidFill>
+                <a:latin typeface="Roboto"/>
+                <a:ea typeface="Roboto"/>
+                <a:cs typeface="Roboto"/>
+                <a:sym typeface="Roboto"/>
+              </a:rPr>
+              <a:t>ⓘ</a:t>
+            </a:r>
+            <a:r>
+              <a:rPr lang="cs">
+                <a:solidFill>
+                  <a:srgbClr val="5B5B5B"/>
+                </a:solidFill>
+                <a:latin typeface="Roboto"/>
+                <a:ea typeface="Roboto"/>
+                <a:cs typeface="Roboto"/>
+                <a:sym typeface="Roboto"/>
+              </a:rPr>
+              <a:t> Start presenting to display the poll results on this slide.</a:t>
+            </a:r>
+            <a:endParaRPr>
+              <a:solidFill>
+                <a:srgbClr val="5B5B5B"/>
+              </a:solidFill>
+              <a:latin typeface="Roboto"/>
+              <a:ea typeface="Roboto"/>
+              <a:cs typeface="Roboto"/>
+              <a:sym typeface="Roboto"/>
+            </a:endParaRPr>
           </a:p>
         </p:txBody>
       </p:sp>
@@ -8851,7 +8779,7 @@
                 <a:cs typeface="Roboto"/>
                 <a:sym typeface="Roboto"/>
               </a:rPr>
-              <a:t>Jak mě to dnes bavilo?</a:t>
+              <a:t>Kolik bylo nového?</a:t>
             </a:r>
             <a:endParaRPr b="1" sz="3600">
               <a:solidFill>
@@ -8943,456 +8871,9 @@
 </p:sld>
 </file>
 
-<file path=ppt/slides/slide18.xml><?xml version="1.0" encoding="utf-8"?>
-<p:sld xmlns:a="http://schemas.openxmlformats.org/drawingml/2006/main" xmlns:r="http://schemas.openxmlformats.org/officeDocument/2006/relationships" xmlns:mc="http://schemas.openxmlformats.org/markup-compatibility/2006" xmlns:mv="urn:schemas-microsoft-com:mac:vml" xmlns:p="http://schemas.openxmlformats.org/presentationml/2006/main" xmlns:c="http://schemas.openxmlformats.org/drawingml/2006/chart" xmlns:dgm="http://schemas.openxmlformats.org/drawingml/2006/diagram" xmlns:o="urn:schemas-microsoft-com:office:office" xmlns:v="urn:schemas-microsoft-com:vml" xmlns:pvml="urn:schemas-microsoft-com:office:powerpoint" xmlns:com="http://schemas.openxmlformats.org/drawingml/2006/compatibility" xmlns:p14="http://schemas.microsoft.com/office/powerpoint/2010/main" xmlns:p15="http://schemas.microsoft.com/office/powerpoint/2012/main" xmlns:ahyp="http://schemas.microsoft.com/office/drawing/2018/hyperlinkcolor">
-  <p:cSld>
-    <p:bg>
-      <p:bgPr>
-        <a:solidFill>
-          <a:srgbClr val="FFFFFF"/>
-        </a:solidFill>
-      </p:bgPr>
-    </p:bg>
-    <p:spTree>
-      <p:nvGrpSpPr>
-        <p:cNvPr id="161" name="Shape 161"/>
-        <p:cNvGrpSpPr/>
-        <p:nvPr/>
-      </p:nvGrpSpPr>
-      <p:grpSpPr>
-        <a:xfrm>
-          <a:off x="0" y="0"/>
-          <a:ext cx="0" cy="0"/>
-          <a:chOff x="0" y="0"/>
-          <a:chExt cx="0" cy="0"/>
-        </a:xfrm>
-      </p:grpSpPr>
-      <p:pic>
-        <p:nvPicPr>
-          <p:cNvPr descr="poll-type-id" id="162" name="Google Shape;162;p30">
-            <a:hlinkClick r:id="rId3"/>
-          </p:cNvPr>
-          <p:cNvPicPr preferRelativeResize="0"/>
-          <p:nvPr/>
-        </p:nvPicPr>
-        <p:blipFill>
-          <a:blip r:embed="rId4">
-            <a:alphaModFix/>
-          </a:blip>
-          <a:stretch>
-            <a:fillRect/>
-          </a:stretch>
-        </p:blipFill>
-        <p:spPr>
-          <a:xfrm>
-            <a:off x="508000" y="1657350"/>
-            <a:ext cx="1828800" cy="1828800"/>
-          </a:xfrm>
-          <a:prstGeom prst="rect">
-            <a:avLst/>
-          </a:prstGeom>
-          <a:noFill/>
-          <a:ln>
-            <a:noFill/>
-          </a:ln>
-        </p:spPr>
-      </p:pic>
-      <p:pic>
-        <p:nvPicPr>
-          <p:cNvPr descr="logo-id" id="163" name="Google Shape;163;p30">
-            <a:hlinkClick r:id="rId5"/>
-          </p:cNvPr>
-          <p:cNvPicPr preferRelativeResize="0"/>
-          <p:nvPr/>
-        </p:nvPicPr>
-        <p:blipFill>
-          <a:blip r:embed="rId6">
-            <a:alphaModFix/>
-          </a:blip>
-          <a:stretch>
-            <a:fillRect/>
-          </a:stretch>
-        </p:blipFill>
-        <p:spPr>
-          <a:xfrm>
-            <a:off x="2612020" y="508000"/>
-            <a:ext cx="874500" cy="382594"/>
-          </a:xfrm>
-          <a:prstGeom prst="rect">
-            <a:avLst/>
-          </a:prstGeom>
-          <a:noFill/>
-          <a:ln>
-            <a:noFill/>
-          </a:ln>
-        </p:spPr>
-      </p:pic>
-      <p:sp>
-        <p:nvSpPr>
-          <p:cNvPr descr="title-id" id="164" name="Google Shape;164;p30"/>
-          <p:cNvSpPr txBox="1"/>
-          <p:nvPr/>
-        </p:nvSpPr>
-        <p:spPr>
-          <a:xfrm>
-            <a:off x="2590800" y="1928813"/>
-            <a:ext cx="6045300" cy="1285800"/>
-          </a:xfrm>
-          <a:prstGeom prst="rect">
-            <a:avLst/>
-          </a:prstGeom>
-          <a:noFill/>
-          <a:ln>
-            <a:noFill/>
-          </a:ln>
-        </p:spPr>
-        <p:txBody>
-          <a:bodyPr anchorCtr="0" anchor="ctr" bIns="91425" lIns="91425" spcFirstLastPara="1" rIns="91425" wrap="square" tIns="91425">
-            <a:noAutofit/>
-          </a:bodyPr>
-          <a:lstStyle/>
-          <a:p>
-            <a:pPr indent="0" lvl="0" marL="0" rtl="0" algn="l">
-              <a:spcBef>
-                <a:spcPts val="0"/>
-              </a:spcBef>
-              <a:spcAft>
-                <a:spcPts val="0"/>
-              </a:spcAft>
-              <a:buNone/>
-            </a:pPr>
-            <a:r>
-              <a:rPr b="1" lang="cs" sz="3600">
-                <a:solidFill>
-                  <a:srgbClr val="5B5B5B"/>
-                </a:solidFill>
-                <a:latin typeface="Roboto"/>
-                <a:ea typeface="Roboto"/>
-                <a:cs typeface="Roboto"/>
-                <a:sym typeface="Roboto"/>
-              </a:rPr>
-              <a:t>Jak to bylo náročné?</a:t>
-            </a:r>
-            <a:endParaRPr b="1" sz="3600">
-              <a:solidFill>
-                <a:srgbClr val="5B5B5B"/>
-              </a:solidFill>
-              <a:latin typeface="Roboto"/>
-              <a:ea typeface="Roboto"/>
-              <a:cs typeface="Roboto"/>
-              <a:sym typeface="Roboto"/>
-            </a:endParaRPr>
-          </a:p>
-        </p:txBody>
-      </p:sp>
-      <p:sp>
-        <p:nvSpPr>
-          <p:cNvPr descr="footer-id" id="165" name="Google Shape;165;p30"/>
-          <p:cNvSpPr txBox="1"/>
-          <p:nvPr/>
-        </p:nvSpPr>
-        <p:spPr>
-          <a:xfrm>
-            <a:off x="2590800" y="4381500"/>
-            <a:ext cx="6299100" cy="382500"/>
-          </a:xfrm>
-          <a:prstGeom prst="rect">
-            <a:avLst/>
-          </a:prstGeom>
-          <a:noFill/>
-          <a:ln>
-            <a:noFill/>
-          </a:ln>
-        </p:spPr>
-        <p:txBody>
-          <a:bodyPr anchorCtr="0" anchor="ctr" bIns="91425" lIns="91425" spcFirstLastPara="1" rIns="91425" wrap="square" tIns="91425">
-            <a:noAutofit/>
-          </a:bodyPr>
-          <a:lstStyle/>
-          <a:p>
-            <a:pPr indent="0" lvl="0" marL="0" rtl="0" algn="l">
-              <a:spcBef>
-                <a:spcPts val="0"/>
-              </a:spcBef>
-              <a:spcAft>
-                <a:spcPts val="0"/>
-              </a:spcAft>
-              <a:buNone/>
-            </a:pPr>
-            <a:r>
-              <a:rPr b="1" lang="cs" sz="1300">
-                <a:solidFill>
-                  <a:srgbClr val="5B5B5B"/>
-                </a:solidFill>
-                <a:latin typeface="Roboto"/>
-                <a:ea typeface="Roboto"/>
-                <a:cs typeface="Roboto"/>
-                <a:sym typeface="Roboto"/>
-              </a:rPr>
-              <a:t>ⓘ</a:t>
-            </a:r>
-            <a:r>
-              <a:rPr lang="cs">
-                <a:solidFill>
-                  <a:srgbClr val="5B5B5B"/>
-                </a:solidFill>
-                <a:latin typeface="Roboto"/>
-                <a:ea typeface="Roboto"/>
-                <a:cs typeface="Roboto"/>
-                <a:sym typeface="Roboto"/>
-              </a:rPr>
-              <a:t> Start presenting to display the poll results on this slide.</a:t>
-            </a:r>
-            <a:endParaRPr>
-              <a:solidFill>
-                <a:srgbClr val="5B5B5B"/>
-              </a:solidFill>
-              <a:latin typeface="Roboto"/>
-              <a:ea typeface="Roboto"/>
-              <a:cs typeface="Roboto"/>
-              <a:sym typeface="Roboto"/>
-            </a:endParaRPr>
-          </a:p>
-        </p:txBody>
-      </p:sp>
-    </p:spTree>
-  </p:cSld>
-  <p:clrMapOvr>
-    <a:masterClrMapping/>
-  </p:clrMapOvr>
-</p:sld>
-</file>
-
-<file path=ppt/slides/slide19.xml><?xml version="1.0" encoding="utf-8"?>
-<p:sld xmlns:a="http://schemas.openxmlformats.org/drawingml/2006/main" xmlns:r="http://schemas.openxmlformats.org/officeDocument/2006/relationships" xmlns:mc="http://schemas.openxmlformats.org/markup-compatibility/2006" xmlns:mv="urn:schemas-microsoft-com:mac:vml" xmlns:p="http://schemas.openxmlformats.org/presentationml/2006/main" xmlns:c="http://schemas.openxmlformats.org/drawingml/2006/chart" xmlns:dgm="http://schemas.openxmlformats.org/drawingml/2006/diagram" xmlns:o="urn:schemas-microsoft-com:office:office" xmlns:v="urn:schemas-microsoft-com:vml" xmlns:pvml="urn:schemas-microsoft-com:office:powerpoint" xmlns:com="http://schemas.openxmlformats.org/drawingml/2006/compatibility" xmlns:p14="http://schemas.microsoft.com/office/powerpoint/2010/main" xmlns:p15="http://schemas.microsoft.com/office/powerpoint/2012/main" xmlns:ahyp="http://schemas.microsoft.com/office/drawing/2018/hyperlinkcolor">
-  <p:cSld>
-    <p:bg>
-      <p:bgPr>
-        <a:solidFill>
-          <a:srgbClr val="FFFFFF"/>
-        </a:solidFill>
-      </p:bgPr>
-    </p:bg>
-    <p:spTree>
-      <p:nvGrpSpPr>
-        <p:cNvPr id="169" name="Shape 169"/>
-        <p:cNvGrpSpPr/>
-        <p:nvPr/>
-      </p:nvGrpSpPr>
-      <p:grpSpPr>
-        <a:xfrm>
-          <a:off x="0" y="0"/>
-          <a:ext cx="0" cy="0"/>
-          <a:chOff x="0" y="0"/>
-          <a:chExt cx="0" cy="0"/>
-        </a:xfrm>
-      </p:grpSpPr>
-      <p:pic>
-        <p:nvPicPr>
-          <p:cNvPr descr="poll-type-id" id="170" name="Google Shape;170;p31">
-            <a:hlinkClick r:id="rId3"/>
-          </p:cNvPr>
-          <p:cNvPicPr preferRelativeResize="0"/>
-          <p:nvPr/>
-        </p:nvPicPr>
-        <p:blipFill>
-          <a:blip r:embed="rId4">
-            <a:alphaModFix/>
-          </a:blip>
-          <a:stretch>
-            <a:fillRect/>
-          </a:stretch>
-        </p:blipFill>
-        <p:spPr>
-          <a:xfrm>
-            <a:off x="508000" y="1657350"/>
-            <a:ext cx="1828800" cy="1828800"/>
-          </a:xfrm>
-          <a:prstGeom prst="rect">
-            <a:avLst/>
-          </a:prstGeom>
-          <a:noFill/>
-          <a:ln>
-            <a:noFill/>
-          </a:ln>
-        </p:spPr>
-      </p:pic>
-      <p:pic>
-        <p:nvPicPr>
-          <p:cNvPr descr="logo-id" id="171" name="Google Shape;171;p31">
-            <a:hlinkClick r:id="rId5"/>
-          </p:cNvPr>
-          <p:cNvPicPr preferRelativeResize="0"/>
-          <p:nvPr/>
-        </p:nvPicPr>
-        <p:blipFill>
-          <a:blip r:embed="rId6">
-            <a:alphaModFix/>
-          </a:blip>
-          <a:stretch>
-            <a:fillRect/>
-          </a:stretch>
-        </p:blipFill>
-        <p:spPr>
-          <a:xfrm>
-            <a:off x="2612020" y="508000"/>
-            <a:ext cx="874500" cy="382594"/>
-          </a:xfrm>
-          <a:prstGeom prst="rect">
-            <a:avLst/>
-          </a:prstGeom>
-          <a:noFill/>
-          <a:ln>
-            <a:noFill/>
-          </a:ln>
-        </p:spPr>
-      </p:pic>
-      <p:sp>
-        <p:nvSpPr>
-          <p:cNvPr descr="title-id" id="172" name="Google Shape;172;p31"/>
-          <p:cNvSpPr txBox="1"/>
-          <p:nvPr/>
-        </p:nvSpPr>
-        <p:spPr>
-          <a:xfrm>
-            <a:off x="2590800" y="1928813"/>
-            <a:ext cx="6045300" cy="1285800"/>
-          </a:xfrm>
-          <a:prstGeom prst="rect">
-            <a:avLst/>
-          </a:prstGeom>
-          <a:noFill/>
-          <a:ln>
-            <a:noFill/>
-          </a:ln>
-        </p:spPr>
-        <p:txBody>
-          <a:bodyPr anchorCtr="0" anchor="ctr" bIns="91425" lIns="91425" spcFirstLastPara="1" rIns="91425" wrap="square" tIns="91425">
-            <a:noAutofit/>
-          </a:bodyPr>
-          <a:lstStyle/>
-          <a:p>
-            <a:pPr indent="0" lvl="0" marL="0" rtl="0" algn="l">
-              <a:spcBef>
-                <a:spcPts val="0"/>
-              </a:spcBef>
-              <a:spcAft>
-                <a:spcPts val="0"/>
-              </a:spcAft>
-              <a:buNone/>
-            </a:pPr>
-            <a:r>
-              <a:rPr b="1" lang="cs" sz="3600">
-                <a:solidFill>
-                  <a:srgbClr val="5B5B5B"/>
-                </a:solidFill>
-                <a:latin typeface="Roboto"/>
-                <a:ea typeface="Roboto"/>
-                <a:cs typeface="Roboto"/>
-                <a:sym typeface="Roboto"/>
-              </a:rPr>
-              <a:t>Kolik bylo nového?</a:t>
-            </a:r>
-            <a:endParaRPr b="1" sz="3600">
-              <a:solidFill>
-                <a:srgbClr val="5B5B5B"/>
-              </a:solidFill>
-              <a:latin typeface="Roboto"/>
-              <a:ea typeface="Roboto"/>
-              <a:cs typeface="Roboto"/>
-              <a:sym typeface="Roboto"/>
-            </a:endParaRPr>
-          </a:p>
-        </p:txBody>
-      </p:sp>
-      <p:sp>
-        <p:nvSpPr>
-          <p:cNvPr descr="footer-id" id="173" name="Google Shape;173;p31"/>
-          <p:cNvSpPr txBox="1"/>
-          <p:nvPr/>
-        </p:nvSpPr>
-        <p:spPr>
-          <a:xfrm>
-            <a:off x="2590800" y="4381500"/>
-            <a:ext cx="6299100" cy="382500"/>
-          </a:xfrm>
-          <a:prstGeom prst="rect">
-            <a:avLst/>
-          </a:prstGeom>
-          <a:noFill/>
-          <a:ln>
-            <a:noFill/>
-          </a:ln>
-        </p:spPr>
-        <p:txBody>
-          <a:bodyPr anchorCtr="0" anchor="ctr" bIns="91425" lIns="91425" spcFirstLastPara="1" rIns="91425" wrap="square" tIns="91425">
-            <a:noAutofit/>
-          </a:bodyPr>
-          <a:lstStyle/>
-          <a:p>
-            <a:pPr indent="0" lvl="0" marL="0" rtl="0" algn="l">
-              <a:spcBef>
-                <a:spcPts val="0"/>
-              </a:spcBef>
-              <a:spcAft>
-                <a:spcPts val="0"/>
-              </a:spcAft>
-              <a:buNone/>
-            </a:pPr>
-            <a:r>
-              <a:rPr b="1" lang="cs" sz="1300">
-                <a:solidFill>
-                  <a:srgbClr val="5B5B5B"/>
-                </a:solidFill>
-                <a:latin typeface="Roboto"/>
-                <a:ea typeface="Roboto"/>
-                <a:cs typeface="Roboto"/>
-                <a:sym typeface="Roboto"/>
-              </a:rPr>
-              <a:t>ⓘ</a:t>
-            </a:r>
-            <a:r>
-              <a:rPr lang="cs">
-                <a:solidFill>
-                  <a:srgbClr val="5B5B5B"/>
-                </a:solidFill>
-                <a:latin typeface="Roboto"/>
-                <a:ea typeface="Roboto"/>
-                <a:cs typeface="Roboto"/>
-                <a:sym typeface="Roboto"/>
-              </a:rPr>
-              <a:t> Start presenting to display the poll results on this slide.</a:t>
-            </a:r>
-            <a:endParaRPr>
-              <a:solidFill>
-                <a:srgbClr val="5B5B5B"/>
-              </a:solidFill>
-              <a:latin typeface="Roboto"/>
-              <a:ea typeface="Roboto"/>
-              <a:cs typeface="Roboto"/>
-              <a:sym typeface="Roboto"/>
-            </a:endParaRPr>
-          </a:p>
-        </p:txBody>
-      </p:sp>
-    </p:spTree>
-  </p:cSld>
-  <p:clrMapOvr>
-    <a:masterClrMapping/>
-  </p:clrMapOvr>
-</p:sld>
-</file>
-
 <file path=ppt/slides/slide2.xml><?xml version="1.0" encoding="utf-8"?>
 <p:sld xmlns:a="http://schemas.openxmlformats.org/drawingml/2006/main" xmlns:r="http://schemas.openxmlformats.org/officeDocument/2006/relationships" xmlns:mc="http://schemas.openxmlformats.org/markup-compatibility/2006" xmlns:mv="urn:schemas-microsoft-com:mac:vml" xmlns:p="http://schemas.openxmlformats.org/presentationml/2006/main" xmlns:c="http://schemas.openxmlformats.org/drawingml/2006/chart" xmlns:dgm="http://schemas.openxmlformats.org/drawingml/2006/diagram" xmlns:o="urn:schemas-microsoft-com:office:office" xmlns:v="urn:schemas-microsoft-com:vml" xmlns:pvml="urn:schemas-microsoft-com:office:powerpoint" xmlns:com="http://schemas.openxmlformats.org/drawingml/2006/compatibility" xmlns:p14="http://schemas.microsoft.com/office/powerpoint/2010/main" xmlns:p15="http://schemas.microsoft.com/office/powerpoint/2012/main" xmlns:ahyp="http://schemas.microsoft.com/office/drawing/2018/hyperlinkcolor">
   <p:cSld>
-    <p:bg>
-      <p:bgPr>
-        <a:solidFill>
-          <a:srgbClr val="FFFFFF"/>
-        </a:solidFill>
-      </p:bgPr>
-    </p:bg>
     <p:spTree>
       <p:nvGrpSpPr>
         <p:cNvPr id="59" name="Shape 59"/>
@@ -9407,442 +8888,9 @@
           <a:chExt cx="0" cy="0"/>
         </a:xfrm>
       </p:grpSpPr>
-      <p:pic>
-        <p:nvPicPr>
-          <p:cNvPr descr="poll-type-id" id="60" name="Google Shape;60;p14">
-            <a:hlinkClick r:id="rId3"/>
-          </p:cNvPr>
-          <p:cNvPicPr preferRelativeResize="0"/>
-          <p:nvPr/>
-        </p:nvPicPr>
-        <p:blipFill>
-          <a:blip r:embed="rId4">
-            <a:alphaModFix/>
-          </a:blip>
-          <a:stretch>
-            <a:fillRect/>
-          </a:stretch>
-        </p:blipFill>
-        <p:spPr>
-          <a:xfrm>
-            <a:off x="508000" y="1657350"/>
-            <a:ext cx="1828800" cy="1828800"/>
-          </a:xfrm>
-          <a:prstGeom prst="rect">
-            <a:avLst/>
-          </a:prstGeom>
-          <a:noFill/>
-          <a:ln>
-            <a:noFill/>
-          </a:ln>
-        </p:spPr>
-      </p:pic>
-      <p:pic>
-        <p:nvPicPr>
-          <p:cNvPr descr="logo-id" id="61" name="Google Shape;61;p14">
-            <a:hlinkClick r:id="rId5"/>
-          </p:cNvPr>
-          <p:cNvPicPr preferRelativeResize="0"/>
-          <p:nvPr/>
-        </p:nvPicPr>
-        <p:blipFill>
-          <a:blip r:embed="rId6">
-            <a:alphaModFix/>
-          </a:blip>
-          <a:stretch>
-            <a:fillRect/>
-          </a:stretch>
-        </p:blipFill>
-        <p:spPr>
-          <a:xfrm>
-            <a:off x="2612020" y="508000"/>
-            <a:ext cx="874500" cy="382594"/>
-          </a:xfrm>
-          <a:prstGeom prst="rect">
-            <a:avLst/>
-          </a:prstGeom>
-          <a:noFill/>
-          <a:ln>
-            <a:noFill/>
-          </a:ln>
-        </p:spPr>
-      </p:pic>
       <p:sp>
         <p:nvSpPr>
-          <p:cNvPr descr="title-id" id="62" name="Google Shape;62;p14"/>
-          <p:cNvSpPr txBox="1"/>
-          <p:nvPr/>
-        </p:nvSpPr>
-        <p:spPr>
-          <a:xfrm>
-            <a:off x="2590800" y="1928813"/>
-            <a:ext cx="6045300" cy="1285800"/>
-          </a:xfrm>
-          <a:prstGeom prst="rect">
-            <a:avLst/>
-          </a:prstGeom>
-          <a:noFill/>
-          <a:ln>
-            <a:noFill/>
-          </a:ln>
-        </p:spPr>
-        <p:txBody>
-          <a:bodyPr anchorCtr="0" anchor="ctr" bIns="91425" lIns="91425" spcFirstLastPara="1" rIns="91425" wrap="square" tIns="91425">
-            <a:noAutofit/>
-          </a:bodyPr>
-          <a:lstStyle/>
-          <a:p>
-            <a:pPr indent="0" lvl="0" marL="0" rtl="0" algn="l">
-              <a:spcBef>
-                <a:spcPts val="0"/>
-              </a:spcBef>
-              <a:spcAft>
-                <a:spcPts val="0"/>
-              </a:spcAft>
-              <a:buNone/>
-            </a:pPr>
-            <a:r>
-              <a:rPr b="1" lang="cs" sz="3600">
-                <a:solidFill>
-                  <a:srgbClr val="5B5B5B"/>
-                </a:solidFill>
-                <a:latin typeface="Roboto"/>
-                <a:ea typeface="Roboto"/>
-                <a:cs typeface="Roboto"/>
-                <a:sym typeface="Roboto"/>
-              </a:rPr>
-              <a:t>Jaké různé typy dokumentace vás napadají?</a:t>
-            </a:r>
-            <a:endParaRPr b="1" sz="3600">
-              <a:solidFill>
-                <a:srgbClr val="5B5B5B"/>
-              </a:solidFill>
-              <a:latin typeface="Roboto"/>
-              <a:ea typeface="Roboto"/>
-              <a:cs typeface="Roboto"/>
-              <a:sym typeface="Roboto"/>
-            </a:endParaRPr>
-          </a:p>
-        </p:txBody>
-      </p:sp>
-      <p:sp>
-        <p:nvSpPr>
-          <p:cNvPr descr="footer-id" id="63" name="Google Shape;63;p14"/>
-          <p:cNvSpPr txBox="1"/>
-          <p:nvPr/>
-        </p:nvSpPr>
-        <p:spPr>
-          <a:xfrm>
-            <a:off x="2590800" y="4381500"/>
-            <a:ext cx="6299100" cy="382500"/>
-          </a:xfrm>
-          <a:prstGeom prst="rect">
-            <a:avLst/>
-          </a:prstGeom>
-          <a:noFill/>
-          <a:ln>
-            <a:noFill/>
-          </a:ln>
-        </p:spPr>
-        <p:txBody>
-          <a:bodyPr anchorCtr="0" anchor="ctr" bIns="91425" lIns="91425" spcFirstLastPara="1" rIns="91425" wrap="square" tIns="91425">
-            <a:noAutofit/>
-          </a:bodyPr>
-          <a:lstStyle/>
-          <a:p>
-            <a:pPr indent="0" lvl="0" marL="0" rtl="0" algn="l">
-              <a:spcBef>
-                <a:spcPts val="0"/>
-              </a:spcBef>
-              <a:spcAft>
-                <a:spcPts val="0"/>
-              </a:spcAft>
-              <a:buNone/>
-            </a:pPr>
-            <a:r>
-              <a:rPr b="1" lang="cs" sz="1300">
-                <a:solidFill>
-                  <a:srgbClr val="5B5B5B"/>
-                </a:solidFill>
-                <a:latin typeface="Roboto"/>
-                <a:ea typeface="Roboto"/>
-                <a:cs typeface="Roboto"/>
-                <a:sym typeface="Roboto"/>
-              </a:rPr>
-              <a:t>ⓘ</a:t>
-            </a:r>
-            <a:r>
-              <a:rPr lang="cs">
-                <a:solidFill>
-                  <a:srgbClr val="5B5B5B"/>
-                </a:solidFill>
-                <a:latin typeface="Roboto"/>
-                <a:ea typeface="Roboto"/>
-                <a:cs typeface="Roboto"/>
-                <a:sym typeface="Roboto"/>
-              </a:rPr>
-              <a:t> Start presenting to display the poll results on this slide.</a:t>
-            </a:r>
-            <a:endParaRPr>
-              <a:solidFill>
-                <a:srgbClr val="5B5B5B"/>
-              </a:solidFill>
-              <a:latin typeface="Roboto"/>
-              <a:ea typeface="Roboto"/>
-              <a:cs typeface="Roboto"/>
-              <a:sym typeface="Roboto"/>
-            </a:endParaRPr>
-          </a:p>
-        </p:txBody>
-      </p:sp>
-    </p:spTree>
-  </p:cSld>
-  <p:clrMapOvr>
-    <a:masterClrMapping/>
-  </p:clrMapOvr>
-</p:sld>
-</file>
-
-<file path=ppt/slides/slide3.xml><?xml version="1.0" encoding="utf-8"?>
-<p:sld xmlns:a="http://schemas.openxmlformats.org/drawingml/2006/main" xmlns:r="http://schemas.openxmlformats.org/officeDocument/2006/relationships" xmlns:mc="http://schemas.openxmlformats.org/markup-compatibility/2006" xmlns:mv="urn:schemas-microsoft-com:mac:vml" xmlns:p="http://schemas.openxmlformats.org/presentationml/2006/main" xmlns:c="http://schemas.openxmlformats.org/drawingml/2006/chart" xmlns:dgm="http://schemas.openxmlformats.org/drawingml/2006/diagram" xmlns:o="urn:schemas-microsoft-com:office:office" xmlns:v="urn:schemas-microsoft-com:vml" xmlns:pvml="urn:schemas-microsoft-com:office:powerpoint" xmlns:com="http://schemas.openxmlformats.org/drawingml/2006/compatibility" xmlns:p14="http://schemas.microsoft.com/office/powerpoint/2010/main" xmlns:p15="http://schemas.microsoft.com/office/powerpoint/2012/main" xmlns:ahyp="http://schemas.microsoft.com/office/drawing/2018/hyperlinkcolor">
-  <p:cSld>
-    <p:bg>
-      <p:bgPr>
-        <a:solidFill>
-          <a:srgbClr val="FFFFFF"/>
-        </a:solidFill>
-      </p:bgPr>
-    </p:bg>
-    <p:spTree>
-      <p:nvGrpSpPr>
-        <p:cNvPr id="67" name="Shape 67"/>
-        <p:cNvGrpSpPr/>
-        <p:nvPr/>
-      </p:nvGrpSpPr>
-      <p:grpSpPr>
-        <a:xfrm>
-          <a:off x="0" y="0"/>
-          <a:ext cx="0" cy="0"/>
-          <a:chOff x="0" y="0"/>
-          <a:chExt cx="0" cy="0"/>
-        </a:xfrm>
-      </p:grpSpPr>
-      <p:pic>
-        <p:nvPicPr>
-          <p:cNvPr descr="poll-type-id" id="68" name="Google Shape;68;p15">
-            <a:hlinkClick r:id="rId3"/>
-          </p:cNvPr>
-          <p:cNvPicPr preferRelativeResize="0"/>
-          <p:nvPr/>
-        </p:nvPicPr>
-        <p:blipFill>
-          <a:blip r:embed="rId4">
-            <a:alphaModFix/>
-          </a:blip>
-          <a:stretch>
-            <a:fillRect/>
-          </a:stretch>
-        </p:blipFill>
-        <p:spPr>
-          <a:xfrm>
-            <a:off x="508000" y="1657350"/>
-            <a:ext cx="1828800" cy="1828800"/>
-          </a:xfrm>
-          <a:prstGeom prst="rect">
-            <a:avLst/>
-          </a:prstGeom>
-          <a:noFill/>
-          <a:ln>
-            <a:noFill/>
-          </a:ln>
-        </p:spPr>
-      </p:pic>
-      <p:pic>
-        <p:nvPicPr>
-          <p:cNvPr descr="logo-id" id="69" name="Google Shape;69;p15">
-            <a:hlinkClick r:id="rId5"/>
-          </p:cNvPr>
-          <p:cNvPicPr preferRelativeResize="0"/>
-          <p:nvPr/>
-        </p:nvPicPr>
-        <p:blipFill>
-          <a:blip r:embed="rId6">
-            <a:alphaModFix/>
-          </a:blip>
-          <a:stretch>
-            <a:fillRect/>
-          </a:stretch>
-        </p:blipFill>
-        <p:spPr>
-          <a:xfrm>
-            <a:off x="2612020" y="508000"/>
-            <a:ext cx="874500" cy="382594"/>
-          </a:xfrm>
-          <a:prstGeom prst="rect">
-            <a:avLst/>
-          </a:prstGeom>
-          <a:noFill/>
-          <a:ln>
-            <a:noFill/>
-          </a:ln>
-        </p:spPr>
-      </p:pic>
-      <p:sp>
-        <p:nvSpPr>
-          <p:cNvPr descr="title-id" id="70" name="Google Shape;70;p15"/>
-          <p:cNvSpPr txBox="1"/>
-          <p:nvPr/>
-        </p:nvSpPr>
-        <p:spPr>
-          <a:xfrm>
-            <a:off x="2590800" y="1928813"/>
-            <a:ext cx="6045300" cy="1285800"/>
-          </a:xfrm>
-          <a:prstGeom prst="rect">
-            <a:avLst/>
-          </a:prstGeom>
-          <a:noFill/>
-          <a:ln>
-            <a:noFill/>
-          </a:ln>
-        </p:spPr>
-        <p:txBody>
-          <a:bodyPr anchorCtr="0" anchor="ctr" bIns="91425" lIns="91425" spcFirstLastPara="1" rIns="91425" wrap="square" tIns="91425">
-            <a:noAutofit/>
-          </a:bodyPr>
-          <a:lstStyle/>
-          <a:p>
-            <a:pPr indent="0" lvl="0" marL="0" rtl="0" algn="l">
-              <a:spcBef>
-                <a:spcPts val="0"/>
-              </a:spcBef>
-              <a:spcAft>
-                <a:spcPts val="0"/>
-              </a:spcAft>
-              <a:buNone/>
-            </a:pPr>
-            <a:r>
-              <a:rPr b="1" lang="cs" sz="3600">
-                <a:solidFill>
-                  <a:srgbClr val="5B5B5B"/>
-                </a:solidFill>
-                <a:latin typeface="Roboto"/>
-                <a:ea typeface="Roboto"/>
-                <a:cs typeface="Roboto"/>
-                <a:sym typeface="Roboto"/>
-              </a:rPr>
-              <a:t>Napadá vás nějaké třídění do kategorií?</a:t>
-            </a:r>
-            <a:endParaRPr b="1" sz="3600">
-              <a:solidFill>
-                <a:srgbClr val="5B5B5B"/>
-              </a:solidFill>
-              <a:latin typeface="Roboto"/>
-              <a:ea typeface="Roboto"/>
-              <a:cs typeface="Roboto"/>
-              <a:sym typeface="Roboto"/>
-            </a:endParaRPr>
-          </a:p>
-        </p:txBody>
-      </p:sp>
-      <p:sp>
-        <p:nvSpPr>
-          <p:cNvPr descr="footer-id" id="71" name="Google Shape;71;p15"/>
-          <p:cNvSpPr txBox="1"/>
-          <p:nvPr/>
-        </p:nvSpPr>
-        <p:spPr>
-          <a:xfrm>
-            <a:off x="2590800" y="4381500"/>
-            <a:ext cx="6299100" cy="382500"/>
-          </a:xfrm>
-          <a:prstGeom prst="rect">
-            <a:avLst/>
-          </a:prstGeom>
-          <a:noFill/>
-          <a:ln>
-            <a:noFill/>
-          </a:ln>
-        </p:spPr>
-        <p:txBody>
-          <a:bodyPr anchorCtr="0" anchor="ctr" bIns="91425" lIns="91425" spcFirstLastPara="1" rIns="91425" wrap="square" tIns="91425">
-            <a:noAutofit/>
-          </a:bodyPr>
-          <a:lstStyle/>
-          <a:p>
-            <a:pPr indent="0" lvl="0" marL="0" rtl="0" algn="l">
-              <a:spcBef>
-                <a:spcPts val="0"/>
-              </a:spcBef>
-              <a:spcAft>
-                <a:spcPts val="0"/>
-              </a:spcAft>
-              <a:buNone/>
-            </a:pPr>
-            <a:r>
-              <a:rPr b="1" lang="cs" sz="1300">
-                <a:solidFill>
-                  <a:srgbClr val="5B5B5B"/>
-                </a:solidFill>
-                <a:latin typeface="Roboto"/>
-                <a:ea typeface="Roboto"/>
-                <a:cs typeface="Roboto"/>
-                <a:sym typeface="Roboto"/>
-              </a:rPr>
-              <a:t>ⓘ</a:t>
-            </a:r>
-            <a:r>
-              <a:rPr lang="cs">
-                <a:solidFill>
-                  <a:srgbClr val="5B5B5B"/>
-                </a:solidFill>
-                <a:latin typeface="Roboto"/>
-                <a:ea typeface="Roboto"/>
-                <a:cs typeface="Roboto"/>
-                <a:sym typeface="Roboto"/>
-              </a:rPr>
-              <a:t> Start presenting to display the poll results on this slide.</a:t>
-            </a:r>
-            <a:endParaRPr>
-              <a:solidFill>
-                <a:srgbClr val="5B5B5B"/>
-              </a:solidFill>
-              <a:latin typeface="Roboto"/>
-              <a:ea typeface="Roboto"/>
-              <a:cs typeface="Roboto"/>
-              <a:sym typeface="Roboto"/>
-            </a:endParaRPr>
-          </a:p>
-        </p:txBody>
-      </p:sp>
-    </p:spTree>
-  </p:cSld>
-  <p:clrMapOvr>
-    <a:masterClrMapping/>
-  </p:clrMapOvr>
-</p:sld>
-</file>
-
-<file path=ppt/slides/slide4.xml><?xml version="1.0" encoding="utf-8"?>
-<p:sld xmlns:a="http://schemas.openxmlformats.org/drawingml/2006/main" xmlns:r="http://schemas.openxmlformats.org/officeDocument/2006/relationships" xmlns:mc="http://schemas.openxmlformats.org/markup-compatibility/2006" xmlns:mv="urn:schemas-microsoft-com:mac:vml" xmlns:p="http://schemas.openxmlformats.org/presentationml/2006/main" xmlns:c="http://schemas.openxmlformats.org/drawingml/2006/chart" xmlns:dgm="http://schemas.openxmlformats.org/drawingml/2006/diagram" xmlns:o="urn:schemas-microsoft-com:office:office" xmlns:v="urn:schemas-microsoft-com:vml" xmlns:pvml="urn:schemas-microsoft-com:office:powerpoint" xmlns:com="http://schemas.openxmlformats.org/drawingml/2006/compatibility" xmlns:p14="http://schemas.microsoft.com/office/powerpoint/2010/main" xmlns:p15="http://schemas.microsoft.com/office/powerpoint/2012/main" xmlns:ahyp="http://schemas.microsoft.com/office/drawing/2018/hyperlinkcolor">
-  <p:cSld>
-    <p:spTree>
-      <p:nvGrpSpPr>
-        <p:cNvPr id="75" name="Shape 75"/>
-        <p:cNvGrpSpPr/>
-        <p:nvPr/>
-      </p:nvGrpSpPr>
-      <p:grpSpPr>
-        <a:xfrm>
-          <a:off x="0" y="0"/>
-          <a:ext cx="0" cy="0"/>
-          <a:chOff x="0" y="0"/>
-          <a:chExt cx="0" cy="0"/>
-        </a:xfrm>
-      </p:grpSpPr>
-      <p:sp>
-        <p:nvSpPr>
-          <p:cNvPr id="76" name="Google Shape;76;p16"/>
+          <p:cNvPr id="60" name="Google Shape;60;p14"/>
           <p:cNvSpPr txBox="1"/>
           <p:nvPr>
             <p:ph type="title"/>
@@ -9882,7 +8930,7 @@
       </p:sp>
       <p:sp>
         <p:nvSpPr>
-          <p:cNvPr id="77" name="Google Shape;77;p16"/>
+          <p:cNvPr id="61" name="Google Shape;61;p14"/>
           <p:cNvSpPr txBox="1"/>
           <p:nvPr>
             <p:ph idx="1" type="body"/>
@@ -10045,12 +9093,12 @@
 </p:sld>
 </file>
 
-<file path=ppt/slides/slide5.xml><?xml version="1.0" encoding="utf-8"?>
+<file path=ppt/slides/slide3.xml><?xml version="1.0" encoding="utf-8"?>
 <p:sld xmlns:a="http://schemas.openxmlformats.org/drawingml/2006/main" xmlns:r="http://schemas.openxmlformats.org/officeDocument/2006/relationships" xmlns:mc="http://schemas.openxmlformats.org/markup-compatibility/2006" xmlns:mv="urn:schemas-microsoft-com:mac:vml" xmlns:p="http://schemas.openxmlformats.org/presentationml/2006/main" xmlns:c="http://schemas.openxmlformats.org/drawingml/2006/chart" xmlns:dgm="http://schemas.openxmlformats.org/drawingml/2006/diagram" xmlns:o="urn:schemas-microsoft-com:office:office" xmlns:v="urn:schemas-microsoft-com:vml" xmlns:pvml="urn:schemas-microsoft-com:office:powerpoint" xmlns:com="http://schemas.openxmlformats.org/drawingml/2006/compatibility" xmlns:p14="http://schemas.microsoft.com/office/powerpoint/2010/main" xmlns:p15="http://schemas.microsoft.com/office/powerpoint/2012/main" xmlns:ahyp="http://schemas.microsoft.com/office/drawing/2018/hyperlinkcolor">
   <p:cSld>
     <p:spTree>
       <p:nvGrpSpPr>
-        <p:cNvPr id="81" name="Shape 81"/>
+        <p:cNvPr id="65" name="Shape 65"/>
         <p:cNvGrpSpPr/>
         <p:nvPr/>
       </p:nvGrpSpPr>
@@ -10064,7 +9112,7 @@
       </p:grpSpPr>
       <p:sp>
         <p:nvSpPr>
-          <p:cNvPr id="82" name="Google Shape;82;p17"/>
+          <p:cNvPr id="66" name="Google Shape;66;p15"/>
           <p:cNvSpPr txBox="1"/>
           <p:nvPr>
             <p:ph type="title"/>
@@ -10104,7 +9152,7 @@
       </p:sp>
       <p:sp>
         <p:nvSpPr>
-          <p:cNvPr id="83" name="Google Shape;83;p17"/>
+          <p:cNvPr id="67" name="Google Shape;67;p15"/>
           <p:cNvSpPr txBox="1"/>
           <p:nvPr>
             <p:ph idx="1" type="body"/>
@@ -10285,12 +9333,12 @@
 </p:sld>
 </file>
 
-<file path=ppt/slides/slide6.xml><?xml version="1.0" encoding="utf-8"?>
+<file path=ppt/slides/slide4.xml><?xml version="1.0" encoding="utf-8"?>
 <p:sld xmlns:a="http://schemas.openxmlformats.org/drawingml/2006/main" xmlns:r="http://schemas.openxmlformats.org/officeDocument/2006/relationships" xmlns:mc="http://schemas.openxmlformats.org/markup-compatibility/2006" xmlns:mv="urn:schemas-microsoft-com:mac:vml" xmlns:p="http://schemas.openxmlformats.org/presentationml/2006/main" xmlns:c="http://schemas.openxmlformats.org/drawingml/2006/chart" xmlns:dgm="http://schemas.openxmlformats.org/drawingml/2006/diagram" xmlns:o="urn:schemas-microsoft-com:office:office" xmlns:v="urn:schemas-microsoft-com:vml" xmlns:pvml="urn:schemas-microsoft-com:office:powerpoint" xmlns:com="http://schemas.openxmlformats.org/drawingml/2006/compatibility" xmlns:p14="http://schemas.microsoft.com/office/powerpoint/2010/main" xmlns:p15="http://schemas.microsoft.com/office/powerpoint/2012/main" xmlns:ahyp="http://schemas.microsoft.com/office/drawing/2018/hyperlinkcolor">
   <p:cSld>
     <p:spTree>
       <p:nvGrpSpPr>
-        <p:cNvPr id="87" name="Shape 87"/>
+        <p:cNvPr id="71" name="Shape 71"/>
         <p:cNvGrpSpPr/>
         <p:nvPr/>
       </p:nvGrpSpPr>
@@ -10304,7 +9352,7 @@
       </p:grpSpPr>
       <p:sp>
         <p:nvSpPr>
-          <p:cNvPr id="88" name="Google Shape;88;p18"/>
+          <p:cNvPr id="72" name="Google Shape;72;p16"/>
           <p:cNvSpPr txBox="1"/>
           <p:nvPr>
             <p:ph type="title"/>
@@ -10344,7 +9392,7 @@
       </p:sp>
       <p:sp>
         <p:nvSpPr>
-          <p:cNvPr id="89" name="Google Shape;89;p18"/>
+          <p:cNvPr id="73" name="Google Shape;73;p16"/>
           <p:cNvSpPr txBox="1"/>
           <p:nvPr>
             <p:ph idx="1" type="body"/>
@@ -10542,12 +9590,12 @@
 </p:sld>
 </file>
 
-<file path=ppt/slides/slide7.xml><?xml version="1.0" encoding="utf-8"?>
+<file path=ppt/slides/slide5.xml><?xml version="1.0" encoding="utf-8"?>
 <p:sld xmlns:a="http://schemas.openxmlformats.org/drawingml/2006/main" xmlns:r="http://schemas.openxmlformats.org/officeDocument/2006/relationships" xmlns:mc="http://schemas.openxmlformats.org/markup-compatibility/2006" xmlns:mv="urn:schemas-microsoft-com:mac:vml" xmlns:p="http://schemas.openxmlformats.org/presentationml/2006/main" xmlns:c="http://schemas.openxmlformats.org/drawingml/2006/chart" xmlns:dgm="http://schemas.openxmlformats.org/drawingml/2006/diagram" xmlns:o="urn:schemas-microsoft-com:office:office" xmlns:v="urn:schemas-microsoft-com:vml" xmlns:pvml="urn:schemas-microsoft-com:office:powerpoint" xmlns:com="http://schemas.openxmlformats.org/drawingml/2006/compatibility" xmlns:p14="http://schemas.microsoft.com/office/powerpoint/2010/main" xmlns:p15="http://schemas.microsoft.com/office/powerpoint/2012/main" xmlns:ahyp="http://schemas.microsoft.com/office/drawing/2018/hyperlinkcolor">
   <p:cSld>
     <p:spTree>
       <p:nvGrpSpPr>
-        <p:cNvPr id="93" name="Shape 93"/>
+        <p:cNvPr id="77" name="Shape 77"/>
         <p:cNvGrpSpPr/>
         <p:nvPr/>
       </p:nvGrpSpPr>
@@ -10561,7 +9609,7 @@
       </p:grpSpPr>
       <p:sp>
         <p:nvSpPr>
-          <p:cNvPr id="94" name="Google Shape;94;p19"/>
+          <p:cNvPr id="78" name="Google Shape;78;p17"/>
           <p:cNvSpPr txBox="1"/>
           <p:nvPr>
             <p:ph type="title"/>
@@ -10601,7 +9649,7 @@
       </p:sp>
       <p:sp>
         <p:nvSpPr>
-          <p:cNvPr id="95" name="Google Shape;95;p19"/>
+          <p:cNvPr id="79" name="Google Shape;79;p17"/>
           <p:cNvSpPr txBox="1"/>
           <p:nvPr>
             <p:ph idx="1" type="body"/>
@@ -10806,12 +9854,12 @@
 </p:sld>
 </file>
 
-<file path=ppt/slides/slide8.xml><?xml version="1.0" encoding="utf-8"?>
+<file path=ppt/slides/slide6.xml><?xml version="1.0" encoding="utf-8"?>
 <p:sld xmlns:a="http://schemas.openxmlformats.org/drawingml/2006/main" xmlns:r="http://schemas.openxmlformats.org/officeDocument/2006/relationships" xmlns:mc="http://schemas.openxmlformats.org/markup-compatibility/2006" xmlns:mv="urn:schemas-microsoft-com:mac:vml" xmlns:p="http://schemas.openxmlformats.org/presentationml/2006/main" xmlns:c="http://schemas.openxmlformats.org/drawingml/2006/chart" xmlns:dgm="http://schemas.openxmlformats.org/drawingml/2006/diagram" xmlns:o="urn:schemas-microsoft-com:office:office" xmlns:v="urn:schemas-microsoft-com:vml" xmlns:pvml="urn:schemas-microsoft-com:office:powerpoint" xmlns:com="http://schemas.openxmlformats.org/drawingml/2006/compatibility" xmlns:p14="http://schemas.microsoft.com/office/powerpoint/2010/main" xmlns:p15="http://schemas.microsoft.com/office/powerpoint/2012/main" xmlns:ahyp="http://schemas.microsoft.com/office/drawing/2018/hyperlinkcolor">
   <p:cSld>
     <p:spTree>
       <p:nvGrpSpPr>
-        <p:cNvPr id="99" name="Shape 99"/>
+        <p:cNvPr id="83" name="Shape 83"/>
         <p:cNvGrpSpPr/>
         <p:nvPr/>
       </p:nvGrpSpPr>
@@ -10825,7 +9873,7 @@
       </p:grpSpPr>
       <p:sp>
         <p:nvSpPr>
-          <p:cNvPr id="100" name="Google Shape;100;p20"/>
+          <p:cNvPr id="84" name="Google Shape;84;p18"/>
           <p:cNvSpPr txBox="1"/>
           <p:nvPr>
             <p:ph type="title"/>
@@ -10865,7 +9913,7 @@
       </p:sp>
       <p:sp>
         <p:nvSpPr>
-          <p:cNvPr id="101" name="Google Shape;101;p20"/>
+          <p:cNvPr id="85" name="Google Shape;85;p18"/>
           <p:cNvSpPr txBox="1"/>
           <p:nvPr>
             <p:ph idx="1" type="body"/>
@@ -11053,12 +10101,12 @@
 </p:sld>
 </file>
 
-<file path=ppt/slides/slide9.xml><?xml version="1.0" encoding="utf-8"?>
+<file path=ppt/slides/slide7.xml><?xml version="1.0" encoding="utf-8"?>
 <p:sld xmlns:a="http://schemas.openxmlformats.org/drawingml/2006/main" xmlns:r="http://schemas.openxmlformats.org/officeDocument/2006/relationships" xmlns:mc="http://schemas.openxmlformats.org/markup-compatibility/2006" xmlns:mv="urn:schemas-microsoft-com:mac:vml" xmlns:p="http://schemas.openxmlformats.org/presentationml/2006/main" xmlns:c="http://schemas.openxmlformats.org/drawingml/2006/chart" xmlns:dgm="http://schemas.openxmlformats.org/drawingml/2006/diagram" xmlns:o="urn:schemas-microsoft-com:office:office" xmlns:v="urn:schemas-microsoft-com:vml" xmlns:pvml="urn:schemas-microsoft-com:office:powerpoint" xmlns:com="http://schemas.openxmlformats.org/drawingml/2006/compatibility" xmlns:p14="http://schemas.microsoft.com/office/powerpoint/2010/main" xmlns:p15="http://schemas.microsoft.com/office/powerpoint/2012/main" xmlns:ahyp="http://schemas.microsoft.com/office/drawing/2018/hyperlinkcolor">
   <p:cSld>
     <p:spTree>
       <p:nvGrpSpPr>
-        <p:cNvPr id="105" name="Shape 105"/>
+        <p:cNvPr id="89" name="Shape 89"/>
         <p:cNvGrpSpPr/>
         <p:nvPr/>
       </p:nvGrpSpPr>
@@ -11072,7 +10120,7 @@
       </p:grpSpPr>
       <p:sp>
         <p:nvSpPr>
-          <p:cNvPr id="106" name="Google Shape;106;p21"/>
+          <p:cNvPr id="90" name="Google Shape;90;p19"/>
           <p:cNvSpPr txBox="1"/>
           <p:nvPr>
             <p:ph type="title"/>
@@ -11112,7 +10160,7 @@
       </p:sp>
       <p:sp>
         <p:nvSpPr>
-          <p:cNvPr id="107" name="Google Shape;107;p21"/>
+          <p:cNvPr id="91" name="Google Shape;91;p19"/>
           <p:cNvSpPr txBox="1"/>
           <p:nvPr>
             <p:ph idx="1" type="body"/>
@@ -11333,6 +10381,302 @@
             <a:r>
               <a:rPr lang="cs"/>
               <a:t>Release notes (koncepty)</a:t>
+            </a:r>
+            <a:endParaRPr/>
+          </a:p>
+        </p:txBody>
+      </p:sp>
+    </p:spTree>
+  </p:cSld>
+  <p:clrMapOvr>
+    <a:masterClrMapping/>
+  </p:clrMapOvr>
+</p:sld>
+</file>
+
+<file path=ppt/slides/slide8.xml><?xml version="1.0" encoding="utf-8"?>
+<p:sld xmlns:a="http://schemas.openxmlformats.org/drawingml/2006/main" xmlns:r="http://schemas.openxmlformats.org/officeDocument/2006/relationships" xmlns:mc="http://schemas.openxmlformats.org/markup-compatibility/2006" xmlns:mv="urn:schemas-microsoft-com:mac:vml" xmlns:p="http://schemas.openxmlformats.org/presentationml/2006/main" xmlns:c="http://schemas.openxmlformats.org/drawingml/2006/chart" xmlns:dgm="http://schemas.openxmlformats.org/drawingml/2006/diagram" xmlns:o="urn:schemas-microsoft-com:office:office" xmlns:v="urn:schemas-microsoft-com:vml" xmlns:pvml="urn:schemas-microsoft-com:office:powerpoint" xmlns:com="http://schemas.openxmlformats.org/drawingml/2006/compatibility" xmlns:p14="http://schemas.microsoft.com/office/powerpoint/2010/main" xmlns:p15="http://schemas.microsoft.com/office/powerpoint/2012/main" xmlns:ahyp="http://schemas.microsoft.com/office/drawing/2018/hyperlinkcolor">
+  <p:cSld>
+    <p:spTree>
+      <p:nvGrpSpPr>
+        <p:cNvPr id="95" name="Shape 95"/>
+        <p:cNvGrpSpPr/>
+        <p:nvPr/>
+      </p:nvGrpSpPr>
+      <p:grpSpPr>
+        <a:xfrm>
+          <a:off x="0" y="0"/>
+          <a:ext cx="0" cy="0"/>
+          <a:chOff x="0" y="0"/>
+          <a:chExt cx="0" cy="0"/>
+        </a:xfrm>
+      </p:grpSpPr>
+      <p:sp>
+        <p:nvSpPr>
+          <p:cNvPr id="96" name="Google Shape;96;p20"/>
+          <p:cNvSpPr txBox="1"/>
+          <p:nvPr>
+            <p:ph type="title"/>
+          </p:nvPr>
+        </p:nvSpPr>
+        <p:spPr>
+          <a:xfrm>
+            <a:off x="311700" y="445025"/>
+            <a:ext cx="8520600" cy="572700"/>
+          </a:xfrm>
+          <a:prstGeom prst="rect">
+            <a:avLst/>
+          </a:prstGeom>
+        </p:spPr>
+        <p:txBody>
+          <a:bodyPr anchorCtr="0" anchor="t" bIns="91425" lIns="91425" spcFirstLastPara="1" rIns="91425" wrap="square" tIns="91425">
+            <a:normAutofit fontScale="90000"/>
+          </a:bodyPr>
+          <a:lstStyle/>
+          <a:p>
+            <a:pPr indent="0" lvl="0" marL="0" rtl="0" algn="l">
+              <a:spcBef>
+                <a:spcPts val="0"/>
+              </a:spcBef>
+              <a:spcAft>
+                <a:spcPts val="0"/>
+              </a:spcAft>
+              <a:buNone/>
+            </a:pPr>
+            <a:r>
+              <a:rPr lang="cs"/>
+              <a:t>Co lze míchat dohromady?</a:t>
+            </a:r>
+            <a:endParaRPr/>
+          </a:p>
+        </p:txBody>
+      </p:sp>
+      <p:sp>
+        <p:nvSpPr>
+          <p:cNvPr id="97" name="Google Shape;97;p20"/>
+          <p:cNvSpPr txBox="1"/>
+          <p:nvPr>
+            <p:ph idx="1" type="body"/>
+          </p:nvPr>
+        </p:nvSpPr>
+        <p:spPr>
+          <a:xfrm>
+            <a:off x="311700" y="1152475"/>
+            <a:ext cx="8520600" cy="3416400"/>
+          </a:xfrm>
+          <a:prstGeom prst="rect">
+            <a:avLst/>
+          </a:prstGeom>
+        </p:spPr>
+        <p:txBody>
+          <a:bodyPr anchorCtr="0" anchor="t" bIns="91425" lIns="91425" spcFirstLastPara="1" rIns="91425" wrap="square" tIns="91425">
+            <a:normAutofit/>
+          </a:bodyPr>
+          <a:lstStyle/>
+          <a:p>
+            <a:pPr indent="-342900" lvl="0" marL="457200" rtl="0" algn="l">
+              <a:spcBef>
+                <a:spcPts val="0"/>
+              </a:spcBef>
+              <a:spcAft>
+                <a:spcPts val="0"/>
+              </a:spcAft>
+              <a:buSzPts val="1800"/>
+              <a:buChar char="●"/>
+            </a:pPr>
+            <a:r>
+              <a:rPr lang="cs"/>
+              <a:t>Koncept lze vložit na začátek postupu.</a:t>
+            </a:r>
+            <a:endParaRPr/>
+          </a:p>
+          <a:p>
+            <a:pPr indent="-342900" lvl="0" marL="457200" rtl="0" algn="l">
+              <a:spcBef>
+                <a:spcPts val="0"/>
+              </a:spcBef>
+              <a:spcAft>
+                <a:spcPts val="0"/>
+              </a:spcAft>
+              <a:buSzPts val="1800"/>
+              <a:buChar char="●"/>
+            </a:pPr>
+            <a:r>
+              <a:rPr lang="cs"/>
+              <a:t>Postup lze doplnit referenční informací (např. o parametrech)</a:t>
+            </a:r>
+            <a:endParaRPr/>
+          </a:p>
+          <a:p>
+            <a:pPr indent="0" lvl="0" marL="0" rtl="0" algn="l">
+              <a:spcBef>
+                <a:spcPts val="1200"/>
+              </a:spcBef>
+              <a:spcAft>
+                <a:spcPts val="0"/>
+              </a:spcAft>
+              <a:buNone/>
+            </a:pPr>
+            <a:r>
+              <a:t/>
+            </a:r>
+            <a:endParaRPr/>
+          </a:p>
+          <a:p>
+            <a:pPr indent="-342900" lvl="0" marL="457200" rtl="0" algn="l">
+              <a:spcBef>
+                <a:spcPts val="1200"/>
+              </a:spcBef>
+              <a:spcAft>
+                <a:spcPts val="0"/>
+              </a:spcAft>
+              <a:buSzPts val="1800"/>
+              <a:buChar char="●"/>
+            </a:pPr>
+            <a:r>
+              <a:rPr lang="cs"/>
+              <a:t>Tutoriál lze doplnit referencí.</a:t>
+            </a:r>
+            <a:endParaRPr/>
+          </a:p>
+          <a:p>
+            <a:pPr indent="0" lvl="0" marL="457200" rtl="0" algn="l">
+              <a:spcBef>
+                <a:spcPts val="1200"/>
+              </a:spcBef>
+              <a:spcAft>
+                <a:spcPts val="1200"/>
+              </a:spcAft>
+              <a:buNone/>
+            </a:pPr>
+            <a:r>
+              <a:t/>
+            </a:r>
+            <a:endParaRPr/>
+          </a:p>
+        </p:txBody>
+      </p:sp>
+    </p:spTree>
+  </p:cSld>
+  <p:clrMapOvr>
+    <a:masterClrMapping/>
+  </p:clrMapOvr>
+</p:sld>
+</file>
+
+<file path=ppt/slides/slide9.xml><?xml version="1.0" encoding="utf-8"?>
+<p:sld xmlns:a="http://schemas.openxmlformats.org/drawingml/2006/main" xmlns:r="http://schemas.openxmlformats.org/officeDocument/2006/relationships" xmlns:mc="http://schemas.openxmlformats.org/markup-compatibility/2006" xmlns:mv="urn:schemas-microsoft-com:mac:vml" xmlns:p="http://schemas.openxmlformats.org/presentationml/2006/main" xmlns:c="http://schemas.openxmlformats.org/drawingml/2006/chart" xmlns:dgm="http://schemas.openxmlformats.org/drawingml/2006/diagram" xmlns:o="urn:schemas-microsoft-com:office:office" xmlns:v="urn:schemas-microsoft-com:vml" xmlns:pvml="urn:schemas-microsoft-com:office:powerpoint" xmlns:com="http://schemas.openxmlformats.org/drawingml/2006/compatibility" xmlns:p14="http://schemas.microsoft.com/office/powerpoint/2010/main" xmlns:p15="http://schemas.microsoft.com/office/powerpoint/2012/main" xmlns:ahyp="http://schemas.microsoft.com/office/drawing/2018/hyperlinkcolor">
+  <p:cSld>
+    <p:spTree>
+      <p:nvGrpSpPr>
+        <p:cNvPr id="101" name="Shape 101"/>
+        <p:cNvGrpSpPr/>
+        <p:nvPr/>
+      </p:nvGrpSpPr>
+      <p:grpSpPr>
+        <a:xfrm>
+          <a:off x="0" y="0"/>
+          <a:ext cx="0" cy="0"/>
+          <a:chOff x="0" y="0"/>
+          <a:chExt cx="0" cy="0"/>
+        </a:xfrm>
+      </p:grpSpPr>
+      <p:sp>
+        <p:nvSpPr>
+          <p:cNvPr id="102" name="Google Shape;102;p21"/>
+          <p:cNvSpPr txBox="1"/>
+          <p:nvPr>
+            <p:ph type="title"/>
+          </p:nvPr>
+        </p:nvSpPr>
+        <p:spPr>
+          <a:xfrm>
+            <a:off x="311700" y="445025"/>
+            <a:ext cx="8520600" cy="572700"/>
+          </a:xfrm>
+          <a:prstGeom prst="rect">
+            <a:avLst/>
+          </a:prstGeom>
+        </p:spPr>
+        <p:txBody>
+          <a:bodyPr anchorCtr="0" anchor="t" bIns="91425" lIns="91425" spcFirstLastPara="1" rIns="91425" wrap="square" tIns="91425">
+            <a:normAutofit fontScale="90000"/>
+          </a:bodyPr>
+          <a:lstStyle/>
+          <a:p>
+            <a:pPr indent="0" lvl="0" marL="0" rtl="0" algn="l">
+              <a:spcBef>
+                <a:spcPts val="0"/>
+              </a:spcBef>
+              <a:spcAft>
+                <a:spcPts val="0"/>
+              </a:spcAft>
+              <a:buNone/>
+            </a:pPr>
+            <a:r>
+              <a:rPr lang="cs"/>
+              <a:t>Realita ;)</a:t>
+            </a:r>
+            <a:endParaRPr/>
+          </a:p>
+        </p:txBody>
+      </p:sp>
+      <p:sp>
+        <p:nvSpPr>
+          <p:cNvPr id="103" name="Google Shape;103;p21"/>
+          <p:cNvSpPr txBox="1"/>
+          <p:nvPr>
+            <p:ph idx="1" type="body"/>
+          </p:nvPr>
+        </p:nvSpPr>
+        <p:spPr>
+          <a:xfrm>
+            <a:off x="311700" y="1152475"/>
+            <a:ext cx="8520600" cy="3416400"/>
+          </a:xfrm>
+          <a:prstGeom prst="rect">
+            <a:avLst/>
+          </a:prstGeom>
+        </p:spPr>
+        <p:txBody>
+          <a:bodyPr anchorCtr="0" anchor="t" bIns="91425" lIns="91425" spcFirstLastPara="1" rIns="91425" wrap="square" tIns="91425">
+            <a:normAutofit/>
+          </a:bodyPr>
+          <a:lstStyle/>
+          <a:p>
+            <a:pPr indent="0" lvl="0" marL="0" rtl="0" algn="l">
+              <a:spcBef>
+                <a:spcPts val="0"/>
+              </a:spcBef>
+              <a:spcAft>
+                <a:spcPts val="0"/>
+              </a:spcAft>
+              <a:buNone/>
+            </a:pPr>
+            <a:r>
+              <a:rPr lang="cs"/>
+              <a:t>Směs všeho možného například zde:</a:t>
+            </a:r>
+            <a:endParaRPr/>
+          </a:p>
+          <a:p>
+            <a:pPr indent="0" lvl="0" marL="0" rtl="0" algn="l">
+              <a:spcBef>
+                <a:spcPts val="1200"/>
+              </a:spcBef>
+              <a:spcAft>
+                <a:spcPts val="1200"/>
+              </a:spcAft>
+              <a:buNone/>
+            </a:pPr>
+            <a:r>
+              <a:rPr lang="cs" u="sng">
+                <a:solidFill>
+                  <a:schemeClr val="hlink"/>
+                </a:solidFill>
+                <a:hlinkClick r:id="rId3"/>
+              </a:rPr>
+              <a:t>https://www.kernel.org/doc/html/latest/security/credentials.html</a:t>
             </a:r>
             <a:endParaRPr/>
           </a:p>
